--- a/Design Patterns.pptx
+++ b/Design Patterns.pptx
@@ -24,25 +24,23 @@
     <p:sldId id="269" r:id="rId19"/>
     <p:sldId id="270" r:id="rId20"/>
     <p:sldId id="271" r:id="rId21"/>
-    <p:sldId id="272" r:id="rId22"/>
-    <p:sldId id="273" r:id="rId23"/>
   </p:sldIdLst>
   <p:sldSz cy="5143500" cx="9144000"/>
   <p:notesSz cx="6858000" cy="9144000"/>
   <p:embeddedFontLst>
     <p:embeddedFont>
       <p:font typeface="Montserrat"/>
-      <p:regular r:id="rId24"/>
-      <p:bold r:id="rId25"/>
-      <p:italic r:id="rId26"/>
-      <p:boldItalic r:id="rId27"/>
+      <p:regular r:id="rId22"/>
+      <p:bold r:id="rId23"/>
+      <p:italic r:id="rId24"/>
+      <p:boldItalic r:id="rId25"/>
     </p:embeddedFont>
     <p:embeddedFont>
       <p:font typeface="Lato"/>
-      <p:regular r:id="rId28"/>
-      <p:bold r:id="rId29"/>
-      <p:italic r:id="rId30"/>
-      <p:boldItalic r:id="rId31"/>
+      <p:regular r:id="rId26"/>
+      <p:bold r:id="rId27"/>
+      <p:italic r:id="rId28"/>
+      <p:boldItalic r:id="rId29"/>
     </p:embeddedFont>
   </p:embeddedFontLst>
   <p:defaultTextStyle>
@@ -823,105 +821,6 @@
   <p:cSld>
     <p:spTree>
       <p:nvGrpSpPr>
-        <p:cNvPr id="183" name="Shape 183"/>
-        <p:cNvGrpSpPr/>
-        <p:nvPr/>
-      </p:nvGrpSpPr>
-      <p:grpSpPr>
-        <a:xfrm>
-          <a:off x="0" y="0"/>
-          <a:ext cx="0" cy="0"/>
-          <a:chOff x="0" y="0"/>
-          <a:chExt cx="0" cy="0"/>
-        </a:xfrm>
-      </p:grpSpPr>
-      <p:sp>
-        <p:nvSpPr>
-          <p:cNvPr id="184" name="Google Shape;184;g12066ce362d_0_180:notes"/>
-          <p:cNvSpPr/>
-          <p:nvPr>
-            <p:ph idx="2" type="sldImg"/>
-          </p:nvPr>
-        </p:nvSpPr>
-        <p:spPr>
-          <a:xfrm>
-            <a:off x="381300" y="685800"/>
-            <a:ext cx="6096000" cy="3429000"/>
-          </a:xfrm>
-          <a:custGeom>
-            <a:rect b="b" l="l" r="r" t="t"/>
-            <a:pathLst>
-              <a:path extrusionOk="0" h="120000" w="120000">
-                <a:moveTo>
-                  <a:pt x="0" y="0"/>
-                </a:moveTo>
-                <a:lnTo>
-                  <a:pt x="120000" y="0"/>
-                </a:lnTo>
-                <a:lnTo>
-                  <a:pt x="120000" y="120000"/>
-                </a:lnTo>
-                <a:lnTo>
-                  <a:pt x="0" y="120000"/>
-                </a:lnTo>
-                <a:close/>
-              </a:path>
-            </a:pathLst>
-          </a:custGeom>
-        </p:spPr>
-      </p:sp>
-      <p:sp>
-        <p:nvSpPr>
-          <p:cNvPr id="185" name="Google Shape;185;g12066ce362d_0_180:notes"/>
-          <p:cNvSpPr txBox="1"/>
-          <p:nvPr>
-            <p:ph idx="1" type="body"/>
-          </p:nvPr>
-        </p:nvSpPr>
-        <p:spPr>
-          <a:xfrm>
-            <a:off x="685800" y="4343400"/>
-            <a:ext cx="5486400" cy="4114800"/>
-          </a:xfrm>
-          <a:prstGeom prst="rect">
-            <a:avLst/>
-          </a:prstGeom>
-        </p:spPr>
-        <p:txBody>
-          <a:bodyPr anchorCtr="0" anchor="t" bIns="91425" lIns="91425" spcFirstLastPara="1" rIns="91425" wrap="square" tIns="91425">
-            <a:noAutofit/>
-          </a:bodyPr>
-          <a:lstStyle/>
-          <a:p>
-            <a:pPr indent="0" lvl="0" marL="0" rtl="0" algn="l">
-              <a:spcBef>
-                <a:spcPts val="0"/>
-              </a:spcBef>
-              <a:spcAft>
-                <a:spcPts val="0"/>
-              </a:spcAft>
-              <a:buNone/>
-            </a:pPr>
-            <a:r>
-              <a:t/>
-            </a:r>
-            <a:endParaRPr/>
-          </a:p>
-        </p:txBody>
-      </p:sp>
-    </p:spTree>
-  </p:cSld>
-  <p:clrMapOvr>
-    <a:masterClrMapping/>
-  </p:clrMapOvr>
-</p:notes>
-</file>
-
-<file path=ppt/notesSlides/notesSlide11.xml><?xml version="1.0" encoding="utf-8"?>
-<p:notes xmlns:a="http://schemas.openxmlformats.org/drawingml/2006/main" xmlns:r="http://schemas.openxmlformats.org/officeDocument/2006/relationships" xmlns:mc="http://schemas.openxmlformats.org/markup-compatibility/2006" xmlns:mv="urn:schemas-microsoft-com:mac:vml" xmlns:p="http://schemas.openxmlformats.org/presentationml/2006/main" xmlns:c="http://schemas.openxmlformats.org/drawingml/2006/chart" xmlns:dgm="http://schemas.openxmlformats.org/drawingml/2006/diagram" xmlns:o="urn:schemas-microsoft-com:office:office" xmlns:v="urn:schemas-microsoft-com:vml" xmlns:pvml="urn:schemas-microsoft-com:office:powerpoint" xmlns:com="http://schemas.openxmlformats.org/drawingml/2006/compatibility" xmlns:p14="http://schemas.microsoft.com/office/powerpoint/2010/main" xmlns:p15="http://schemas.microsoft.com/office/powerpoint/2012/main" xmlns:ahyp="http://schemas.microsoft.com/office/drawing/2018/hyperlinkcolor" showMasterPhAnim="0" showMasterSp="0">
-  <p:cSld>
-    <p:spTree>
-      <p:nvGrpSpPr>
         <p:cNvPr id="189" name="Shape 189"/>
         <p:cNvGrpSpPr/>
         <p:nvPr/>
@@ -1016,12 +915,12 @@
 </p:notes>
 </file>
 
-<file path=ppt/notesSlides/notesSlide12.xml><?xml version="1.0" encoding="utf-8"?>
+<file path=ppt/notesSlides/notesSlide11.xml><?xml version="1.0" encoding="utf-8"?>
 <p:notes xmlns:a="http://schemas.openxmlformats.org/drawingml/2006/main" xmlns:r="http://schemas.openxmlformats.org/officeDocument/2006/relationships" xmlns:mc="http://schemas.openxmlformats.org/markup-compatibility/2006" xmlns:mv="urn:schemas-microsoft-com:mac:vml" xmlns:p="http://schemas.openxmlformats.org/presentationml/2006/main" xmlns:c="http://schemas.openxmlformats.org/drawingml/2006/chart" xmlns:dgm="http://schemas.openxmlformats.org/drawingml/2006/diagram" xmlns:o="urn:schemas-microsoft-com:office:office" xmlns:v="urn:schemas-microsoft-com:vml" xmlns:pvml="urn:schemas-microsoft-com:office:powerpoint" xmlns:com="http://schemas.openxmlformats.org/drawingml/2006/compatibility" xmlns:p14="http://schemas.microsoft.com/office/powerpoint/2010/main" xmlns:p15="http://schemas.microsoft.com/office/powerpoint/2012/main" xmlns:ahyp="http://schemas.microsoft.com/office/drawing/2018/hyperlinkcolor" showMasterPhAnim="0" showMasterSp="0">
   <p:cSld>
     <p:spTree>
       <p:nvGrpSpPr>
-        <p:cNvPr id="195" name="Shape 195"/>
+        <p:cNvPr id="196" name="Shape 196"/>
         <p:cNvGrpSpPr/>
         <p:nvPr/>
       </p:nvGrpSpPr>
@@ -1035,7 +934,7 @@
       </p:grpSpPr>
       <p:sp>
         <p:nvSpPr>
-          <p:cNvPr id="196" name="Google Shape;196;g12066ce362d_0_205:notes"/>
+          <p:cNvPr id="197" name="Google Shape;197;g12066ce362d_0_205:notes"/>
           <p:cNvSpPr/>
           <p:nvPr>
             <p:ph idx="2" type="sldImg"/>
@@ -1070,7 +969,7 @@
       </p:sp>
       <p:sp>
         <p:nvSpPr>
-          <p:cNvPr id="197" name="Google Shape;197;g12066ce362d_0_205:notes"/>
+          <p:cNvPr id="198" name="Google Shape;198;g12066ce362d_0_205:notes"/>
           <p:cNvSpPr txBox="1"/>
           <p:nvPr>
             <p:ph idx="1" type="body"/>
@@ -1115,12 +1014,12 @@
 </p:notes>
 </file>
 
-<file path=ppt/notesSlides/notesSlide13.xml><?xml version="1.0" encoding="utf-8"?>
+<file path=ppt/notesSlides/notesSlide12.xml><?xml version="1.0" encoding="utf-8"?>
 <p:notes xmlns:a="http://schemas.openxmlformats.org/drawingml/2006/main" xmlns:r="http://schemas.openxmlformats.org/officeDocument/2006/relationships" xmlns:mc="http://schemas.openxmlformats.org/markup-compatibility/2006" xmlns:mv="urn:schemas-microsoft-com:mac:vml" xmlns:p="http://schemas.openxmlformats.org/presentationml/2006/main" xmlns:c="http://schemas.openxmlformats.org/drawingml/2006/chart" xmlns:dgm="http://schemas.openxmlformats.org/drawingml/2006/diagram" xmlns:o="urn:schemas-microsoft-com:office:office" xmlns:v="urn:schemas-microsoft-com:vml" xmlns:pvml="urn:schemas-microsoft-com:office:powerpoint" xmlns:com="http://schemas.openxmlformats.org/drawingml/2006/compatibility" xmlns:p14="http://schemas.microsoft.com/office/powerpoint/2010/main" xmlns:p15="http://schemas.microsoft.com/office/powerpoint/2012/main" xmlns:ahyp="http://schemas.microsoft.com/office/drawing/2018/hyperlinkcolor" showMasterPhAnim="0" showMasterSp="0">
   <p:cSld>
     <p:spTree>
       <p:nvGrpSpPr>
-        <p:cNvPr id="202" name="Shape 202"/>
+        <p:cNvPr id="203" name="Shape 203"/>
         <p:cNvGrpSpPr/>
         <p:nvPr/>
       </p:nvGrpSpPr>
@@ -1134,7 +1033,7 @@
       </p:grpSpPr>
       <p:sp>
         <p:nvSpPr>
-          <p:cNvPr id="203" name="Google Shape;203;g12066ce362d_0_155:notes"/>
+          <p:cNvPr id="204" name="Google Shape;204;g12066ce362d_0_155:notes"/>
           <p:cNvSpPr/>
           <p:nvPr>
             <p:ph idx="2" type="sldImg"/>
@@ -1169,7 +1068,7 @@
       </p:sp>
       <p:sp>
         <p:nvSpPr>
-          <p:cNvPr id="204" name="Google Shape;204;g12066ce362d_0_155:notes"/>
+          <p:cNvPr id="205" name="Google Shape;205;g12066ce362d_0_155:notes"/>
           <p:cNvSpPr txBox="1"/>
           <p:nvPr>
             <p:ph idx="1" type="body"/>
@@ -1214,12 +1113,12 @@
 </p:notes>
 </file>
 
-<file path=ppt/notesSlides/notesSlide14.xml><?xml version="1.0" encoding="utf-8"?>
+<file path=ppt/notesSlides/notesSlide13.xml><?xml version="1.0" encoding="utf-8"?>
 <p:notes xmlns:a="http://schemas.openxmlformats.org/drawingml/2006/main" xmlns:r="http://schemas.openxmlformats.org/officeDocument/2006/relationships" xmlns:mc="http://schemas.openxmlformats.org/markup-compatibility/2006" xmlns:mv="urn:schemas-microsoft-com:mac:vml" xmlns:p="http://schemas.openxmlformats.org/presentationml/2006/main" xmlns:c="http://schemas.openxmlformats.org/drawingml/2006/chart" xmlns:dgm="http://schemas.openxmlformats.org/drawingml/2006/diagram" xmlns:o="urn:schemas-microsoft-com:office:office" xmlns:v="urn:schemas-microsoft-com:vml" xmlns:pvml="urn:schemas-microsoft-com:office:powerpoint" xmlns:com="http://schemas.openxmlformats.org/drawingml/2006/compatibility" xmlns:p14="http://schemas.microsoft.com/office/powerpoint/2010/main" xmlns:p15="http://schemas.microsoft.com/office/powerpoint/2012/main" xmlns:ahyp="http://schemas.microsoft.com/office/drawing/2018/hyperlinkcolor" showMasterPhAnim="0" showMasterSp="0">
   <p:cSld>
     <p:spTree>
       <p:nvGrpSpPr>
-        <p:cNvPr id="207" name="Shape 207"/>
+        <p:cNvPr id="209" name="Shape 209"/>
         <p:cNvGrpSpPr/>
         <p:nvPr/>
       </p:nvGrpSpPr>
@@ -1233,7 +1132,7 @@
       </p:grpSpPr>
       <p:sp>
         <p:nvSpPr>
-          <p:cNvPr id="208" name="Google Shape;208;g12066ce362d_0_145:notes"/>
+          <p:cNvPr id="210" name="Google Shape;210;g12066ce362d_0_190:notes"/>
           <p:cNvSpPr/>
           <p:nvPr>
             <p:ph idx="2" type="sldImg"/>
@@ -1268,7 +1167,7 @@
       </p:sp>
       <p:sp>
         <p:nvSpPr>
-          <p:cNvPr id="209" name="Google Shape;209;g12066ce362d_0_145:notes"/>
+          <p:cNvPr id="211" name="Google Shape;211;g12066ce362d_0_190:notes"/>
           <p:cNvSpPr txBox="1"/>
           <p:nvPr>
             <p:ph idx="1" type="body"/>
@@ -1313,12 +1212,12 @@
 </p:notes>
 </file>
 
-<file path=ppt/notesSlides/notesSlide15.xml><?xml version="1.0" encoding="utf-8"?>
+<file path=ppt/notesSlides/notesSlide14.xml><?xml version="1.0" encoding="utf-8"?>
 <p:notes xmlns:a="http://schemas.openxmlformats.org/drawingml/2006/main" xmlns:r="http://schemas.openxmlformats.org/officeDocument/2006/relationships" xmlns:mc="http://schemas.openxmlformats.org/markup-compatibility/2006" xmlns:mv="urn:schemas-microsoft-com:mac:vml" xmlns:p="http://schemas.openxmlformats.org/presentationml/2006/main" xmlns:c="http://schemas.openxmlformats.org/drawingml/2006/chart" xmlns:dgm="http://schemas.openxmlformats.org/drawingml/2006/diagram" xmlns:o="urn:schemas-microsoft-com:office:office" xmlns:v="urn:schemas-microsoft-com:vml" xmlns:pvml="urn:schemas-microsoft-com:office:powerpoint" xmlns:com="http://schemas.openxmlformats.org/drawingml/2006/compatibility" xmlns:p14="http://schemas.microsoft.com/office/powerpoint/2010/main" xmlns:p15="http://schemas.microsoft.com/office/powerpoint/2012/main" xmlns:ahyp="http://schemas.microsoft.com/office/drawing/2018/hyperlinkcolor" showMasterPhAnim="0" showMasterSp="0">
   <p:cSld>
     <p:spTree>
       <p:nvGrpSpPr>
-        <p:cNvPr id="213" name="Shape 213"/>
+        <p:cNvPr id="215" name="Shape 215"/>
         <p:cNvGrpSpPr/>
         <p:nvPr/>
       </p:nvGrpSpPr>
@@ -1332,7 +1231,7 @@
       </p:grpSpPr>
       <p:sp>
         <p:nvSpPr>
-          <p:cNvPr id="214" name="Google Shape;214;g12066ce362d_0_190:notes"/>
+          <p:cNvPr id="216" name="Google Shape;216;g1206cd1dac7_0_0:notes"/>
           <p:cNvSpPr/>
           <p:nvPr>
             <p:ph idx="2" type="sldImg"/>
@@ -1367,7 +1266,7 @@
       </p:sp>
       <p:sp>
         <p:nvSpPr>
-          <p:cNvPr id="215" name="Google Shape;215;g12066ce362d_0_190:notes"/>
+          <p:cNvPr id="217" name="Google Shape;217;g1206cd1dac7_0_0:notes"/>
           <p:cNvSpPr txBox="1"/>
           <p:nvPr>
             <p:ph idx="1" type="body"/>
@@ -1412,12 +1311,12 @@
 </p:notes>
 </file>
 
-<file path=ppt/notesSlides/notesSlide16.xml><?xml version="1.0" encoding="utf-8"?>
+<file path=ppt/notesSlides/notesSlide15.xml><?xml version="1.0" encoding="utf-8"?>
 <p:notes xmlns:a="http://schemas.openxmlformats.org/drawingml/2006/main" xmlns:r="http://schemas.openxmlformats.org/officeDocument/2006/relationships" xmlns:mc="http://schemas.openxmlformats.org/markup-compatibility/2006" xmlns:mv="urn:schemas-microsoft-com:mac:vml" xmlns:p="http://schemas.openxmlformats.org/presentationml/2006/main" xmlns:c="http://schemas.openxmlformats.org/drawingml/2006/chart" xmlns:dgm="http://schemas.openxmlformats.org/drawingml/2006/diagram" xmlns:o="urn:schemas-microsoft-com:office:office" xmlns:v="urn:schemas-microsoft-com:vml" xmlns:pvml="urn:schemas-microsoft-com:office:powerpoint" xmlns:com="http://schemas.openxmlformats.org/drawingml/2006/compatibility" xmlns:p14="http://schemas.microsoft.com/office/powerpoint/2010/main" xmlns:p15="http://schemas.microsoft.com/office/powerpoint/2012/main" xmlns:ahyp="http://schemas.microsoft.com/office/drawing/2018/hyperlinkcolor" showMasterPhAnim="0" showMasterSp="0">
   <p:cSld>
     <p:spTree>
       <p:nvGrpSpPr>
-        <p:cNvPr id="219" name="Shape 219"/>
+        <p:cNvPr id="222" name="Shape 222"/>
         <p:cNvGrpSpPr/>
         <p:nvPr/>
       </p:nvGrpSpPr>
@@ -1431,7 +1330,7 @@
       </p:grpSpPr>
       <p:sp>
         <p:nvSpPr>
-          <p:cNvPr id="220" name="Google Shape;220;g1206cd1dac7_0_0:notes"/>
+          <p:cNvPr id="223" name="Google Shape;223;g12066ce362d_0_195:notes"/>
           <p:cNvSpPr/>
           <p:nvPr>
             <p:ph idx="2" type="sldImg"/>
@@ -1466,7 +1365,7 @@
       </p:sp>
       <p:sp>
         <p:nvSpPr>
-          <p:cNvPr id="221" name="Google Shape;221;g1206cd1dac7_0_0:notes"/>
+          <p:cNvPr id="224" name="Google Shape;224;g12066ce362d_0_195:notes"/>
           <p:cNvSpPr txBox="1"/>
           <p:nvPr>
             <p:ph idx="1" type="body"/>
@@ -1511,12 +1410,12 @@
 </p:notes>
 </file>
 
-<file path=ppt/notesSlides/notesSlide17.xml><?xml version="1.0" encoding="utf-8"?>
+<file path=ppt/notesSlides/notesSlide16.xml><?xml version="1.0" encoding="utf-8"?>
 <p:notes xmlns:a="http://schemas.openxmlformats.org/drawingml/2006/main" xmlns:r="http://schemas.openxmlformats.org/officeDocument/2006/relationships" xmlns:mc="http://schemas.openxmlformats.org/markup-compatibility/2006" xmlns:mv="urn:schemas-microsoft-com:mac:vml" xmlns:p="http://schemas.openxmlformats.org/presentationml/2006/main" xmlns:c="http://schemas.openxmlformats.org/drawingml/2006/chart" xmlns:dgm="http://schemas.openxmlformats.org/drawingml/2006/diagram" xmlns:o="urn:schemas-microsoft-com:office:office" xmlns:v="urn:schemas-microsoft-com:vml" xmlns:pvml="urn:schemas-microsoft-com:office:powerpoint" xmlns:com="http://schemas.openxmlformats.org/drawingml/2006/compatibility" xmlns:p14="http://schemas.microsoft.com/office/powerpoint/2010/main" xmlns:p15="http://schemas.microsoft.com/office/powerpoint/2012/main" xmlns:ahyp="http://schemas.microsoft.com/office/drawing/2018/hyperlinkcolor" showMasterPhAnim="0" showMasterSp="0">
   <p:cSld>
     <p:spTree>
       <p:nvGrpSpPr>
-        <p:cNvPr id="226" name="Shape 226"/>
+        <p:cNvPr id="228" name="Shape 228"/>
         <p:cNvGrpSpPr/>
         <p:nvPr/>
       </p:nvGrpSpPr>
@@ -1530,7 +1429,7 @@
       </p:grpSpPr>
       <p:sp>
         <p:nvSpPr>
-          <p:cNvPr id="227" name="Google Shape;227;g12066ce362d_0_195:notes"/>
+          <p:cNvPr id="229" name="Google Shape;229;g12066ce362d_0_200:notes"/>
           <p:cNvSpPr/>
           <p:nvPr>
             <p:ph idx="2" type="sldImg"/>
@@ -1565,106 +1464,7 @@
       </p:sp>
       <p:sp>
         <p:nvSpPr>
-          <p:cNvPr id="228" name="Google Shape;228;g12066ce362d_0_195:notes"/>
-          <p:cNvSpPr txBox="1"/>
-          <p:nvPr>
-            <p:ph idx="1" type="body"/>
-          </p:nvPr>
-        </p:nvSpPr>
-        <p:spPr>
-          <a:xfrm>
-            <a:off x="685800" y="4343400"/>
-            <a:ext cx="5486400" cy="4114800"/>
-          </a:xfrm>
-          <a:prstGeom prst="rect">
-            <a:avLst/>
-          </a:prstGeom>
-        </p:spPr>
-        <p:txBody>
-          <a:bodyPr anchorCtr="0" anchor="t" bIns="91425" lIns="91425" spcFirstLastPara="1" rIns="91425" wrap="square" tIns="91425">
-            <a:noAutofit/>
-          </a:bodyPr>
-          <a:lstStyle/>
-          <a:p>
-            <a:pPr indent="0" lvl="0" marL="0" rtl="0" algn="l">
-              <a:spcBef>
-                <a:spcPts val="0"/>
-              </a:spcBef>
-              <a:spcAft>
-                <a:spcPts val="0"/>
-              </a:spcAft>
-              <a:buNone/>
-            </a:pPr>
-            <a:r>
-              <a:t/>
-            </a:r>
-            <a:endParaRPr/>
-          </a:p>
-        </p:txBody>
-      </p:sp>
-    </p:spTree>
-  </p:cSld>
-  <p:clrMapOvr>
-    <a:masterClrMapping/>
-  </p:clrMapOvr>
-</p:notes>
-</file>
-
-<file path=ppt/notesSlides/notesSlide18.xml><?xml version="1.0" encoding="utf-8"?>
-<p:notes xmlns:a="http://schemas.openxmlformats.org/drawingml/2006/main" xmlns:r="http://schemas.openxmlformats.org/officeDocument/2006/relationships" xmlns:mc="http://schemas.openxmlformats.org/markup-compatibility/2006" xmlns:mv="urn:schemas-microsoft-com:mac:vml" xmlns:p="http://schemas.openxmlformats.org/presentationml/2006/main" xmlns:c="http://schemas.openxmlformats.org/drawingml/2006/chart" xmlns:dgm="http://schemas.openxmlformats.org/drawingml/2006/diagram" xmlns:o="urn:schemas-microsoft-com:office:office" xmlns:v="urn:schemas-microsoft-com:vml" xmlns:pvml="urn:schemas-microsoft-com:office:powerpoint" xmlns:com="http://schemas.openxmlformats.org/drawingml/2006/compatibility" xmlns:p14="http://schemas.microsoft.com/office/powerpoint/2010/main" xmlns:p15="http://schemas.microsoft.com/office/powerpoint/2012/main" xmlns:ahyp="http://schemas.microsoft.com/office/drawing/2018/hyperlinkcolor" showMasterPhAnim="0" showMasterSp="0">
-  <p:cSld>
-    <p:spTree>
-      <p:nvGrpSpPr>
-        <p:cNvPr id="232" name="Shape 232"/>
-        <p:cNvGrpSpPr/>
-        <p:nvPr/>
-      </p:nvGrpSpPr>
-      <p:grpSpPr>
-        <a:xfrm>
-          <a:off x="0" y="0"/>
-          <a:ext cx="0" cy="0"/>
-          <a:chOff x="0" y="0"/>
-          <a:chExt cx="0" cy="0"/>
-        </a:xfrm>
-      </p:grpSpPr>
-      <p:sp>
-        <p:nvSpPr>
-          <p:cNvPr id="233" name="Google Shape;233;g12066ce362d_0_200:notes"/>
-          <p:cNvSpPr/>
-          <p:nvPr>
-            <p:ph idx="2" type="sldImg"/>
-          </p:nvPr>
-        </p:nvSpPr>
-        <p:spPr>
-          <a:xfrm>
-            <a:off x="381300" y="685800"/>
-            <a:ext cx="6096000" cy="3429000"/>
-          </a:xfrm>
-          <a:custGeom>
-            <a:rect b="b" l="l" r="r" t="t"/>
-            <a:pathLst>
-              <a:path extrusionOk="0" h="120000" w="120000">
-                <a:moveTo>
-                  <a:pt x="0" y="0"/>
-                </a:moveTo>
-                <a:lnTo>
-                  <a:pt x="120000" y="0"/>
-                </a:lnTo>
-                <a:lnTo>
-                  <a:pt x="120000" y="120000"/>
-                </a:lnTo>
-                <a:lnTo>
-                  <a:pt x="0" y="120000"/>
-                </a:lnTo>
-                <a:close/>
-              </a:path>
-            </a:pathLst>
-          </a:custGeom>
-        </p:spPr>
-      </p:sp>
-      <p:sp>
-        <p:nvSpPr>
-          <p:cNvPr id="234" name="Google Shape;234;g12066ce362d_0_200:notes"/>
+          <p:cNvPr id="230" name="Google Shape;230;g12066ce362d_0_200:notes"/>
           <p:cNvSpPr txBox="1"/>
           <p:nvPr>
             <p:ph idx="1" type="body"/>
@@ -1813,7 +1613,7 @@
   <p:cSld>
     <p:spTree>
       <p:nvGrpSpPr>
-        <p:cNvPr id="142" name="Shape 142"/>
+        <p:cNvPr id="145" name="Shape 145"/>
         <p:cNvGrpSpPr/>
         <p:nvPr/>
       </p:nvGrpSpPr>
@@ -1827,7 +1627,7 @@
       </p:grpSpPr>
       <p:sp>
         <p:nvSpPr>
-          <p:cNvPr id="143" name="Google Shape;143;g12066ce362d_0_170:notes"/>
+          <p:cNvPr id="146" name="Google Shape;146;g11f7a81dd63_0_1:notes"/>
           <p:cNvSpPr/>
           <p:nvPr>
             <p:ph idx="2" type="sldImg"/>
@@ -1862,7 +1662,7 @@
       </p:sp>
       <p:sp>
         <p:nvSpPr>
-          <p:cNvPr id="144" name="Google Shape;144;g12066ce362d_0_170:notes"/>
+          <p:cNvPr id="147" name="Google Shape;147;g11f7a81dd63_0_1:notes"/>
           <p:cNvSpPr txBox="1"/>
           <p:nvPr>
             <p:ph idx="1" type="body"/>
@@ -1912,7 +1712,7 @@
   <p:cSld>
     <p:spTree>
       <p:nvGrpSpPr>
-        <p:cNvPr id="148" name="Shape 148"/>
+        <p:cNvPr id="151" name="Shape 151"/>
         <p:cNvGrpSpPr/>
         <p:nvPr/>
       </p:nvGrpSpPr>
@@ -1926,7 +1726,7 @@
       </p:grpSpPr>
       <p:sp>
         <p:nvSpPr>
-          <p:cNvPr id="149" name="Google Shape;149;g12066ce362d_0_125:notes"/>
+          <p:cNvPr id="152" name="Google Shape;152;g12066ce362d_0_125:notes"/>
           <p:cNvSpPr/>
           <p:nvPr>
             <p:ph idx="2" type="sldImg"/>
@@ -1961,7 +1761,7 @@
       </p:sp>
       <p:sp>
         <p:nvSpPr>
-          <p:cNvPr id="150" name="Google Shape;150;g12066ce362d_0_125:notes"/>
+          <p:cNvPr id="153" name="Google Shape;153;g12066ce362d_0_125:notes"/>
           <p:cNvSpPr txBox="1"/>
           <p:nvPr>
             <p:ph idx="1" type="body"/>
@@ -2011,7 +1811,7 @@
   <p:cSld>
     <p:spTree>
       <p:nvGrpSpPr>
-        <p:cNvPr id="154" name="Shape 154"/>
+        <p:cNvPr id="158" name="Shape 158"/>
         <p:cNvGrpSpPr/>
         <p:nvPr/>
       </p:nvGrpSpPr>
@@ -2025,7 +1825,7 @@
       </p:grpSpPr>
       <p:sp>
         <p:nvSpPr>
-          <p:cNvPr id="155" name="Google Shape;155;g12066ce362d_0_135:notes"/>
+          <p:cNvPr id="159" name="Google Shape;159;g12066ce362d_0_135:notes"/>
           <p:cNvSpPr/>
           <p:nvPr>
             <p:ph idx="2" type="sldImg"/>
@@ -2060,7 +1860,7 @@
       </p:sp>
       <p:sp>
         <p:nvSpPr>
-          <p:cNvPr id="156" name="Google Shape;156;g12066ce362d_0_135:notes"/>
+          <p:cNvPr id="160" name="Google Shape;160;g12066ce362d_0_135:notes"/>
           <p:cNvSpPr txBox="1"/>
           <p:nvPr>
             <p:ph idx="1" type="body"/>
@@ -2110,7 +1910,7 @@
   <p:cSld>
     <p:spTree>
       <p:nvGrpSpPr>
-        <p:cNvPr id="160" name="Shape 160"/>
+        <p:cNvPr id="164" name="Shape 164"/>
         <p:cNvGrpSpPr/>
         <p:nvPr/>
       </p:nvGrpSpPr>
@@ -2124,7 +1924,7 @@
       </p:grpSpPr>
       <p:sp>
         <p:nvSpPr>
-          <p:cNvPr id="161" name="Google Shape;161;g12066ce362d_0_130:notes"/>
+          <p:cNvPr id="165" name="Google Shape;165;g12066ce362d_0_130:notes"/>
           <p:cNvSpPr/>
           <p:nvPr>
             <p:ph idx="2" type="sldImg"/>
@@ -2159,7 +1959,7 @@
       </p:sp>
       <p:sp>
         <p:nvSpPr>
-          <p:cNvPr id="162" name="Google Shape;162;g12066ce362d_0_130:notes"/>
+          <p:cNvPr id="166" name="Google Shape;166;g12066ce362d_0_130:notes"/>
           <p:cNvSpPr txBox="1"/>
           <p:nvPr>
             <p:ph idx="1" type="body"/>
@@ -2209,7 +2009,7 @@
   <p:cSld>
     <p:spTree>
       <p:nvGrpSpPr>
-        <p:cNvPr id="166" name="Shape 166"/>
+        <p:cNvPr id="171" name="Shape 171"/>
         <p:cNvGrpSpPr/>
         <p:nvPr/>
       </p:nvGrpSpPr>
@@ -2223,7 +2023,7 @@
       </p:grpSpPr>
       <p:sp>
         <p:nvSpPr>
-          <p:cNvPr id="167" name="Google Shape;167;g12066ce362d_0_159:notes"/>
+          <p:cNvPr id="172" name="Google Shape;172;g12066ce362d_0_159:notes"/>
           <p:cNvSpPr/>
           <p:nvPr>
             <p:ph idx="2" type="sldImg"/>
@@ -2258,7 +2058,7 @@
       </p:sp>
       <p:sp>
         <p:nvSpPr>
-          <p:cNvPr id="168" name="Google Shape;168;g12066ce362d_0_159:notes"/>
+          <p:cNvPr id="173" name="Google Shape;173;g12066ce362d_0_159:notes"/>
           <p:cNvSpPr txBox="1"/>
           <p:nvPr>
             <p:ph idx="1" type="body"/>
@@ -2304,105 +2104,6 @@
 </file>
 
 <file path=ppt/notesSlides/notesSlide8.xml><?xml version="1.0" encoding="utf-8"?>
-<p:notes xmlns:a="http://schemas.openxmlformats.org/drawingml/2006/main" xmlns:r="http://schemas.openxmlformats.org/officeDocument/2006/relationships" xmlns:mc="http://schemas.openxmlformats.org/markup-compatibility/2006" xmlns:mv="urn:schemas-microsoft-com:mac:vml" xmlns:p="http://schemas.openxmlformats.org/presentationml/2006/main" xmlns:c="http://schemas.openxmlformats.org/drawingml/2006/chart" xmlns:dgm="http://schemas.openxmlformats.org/drawingml/2006/diagram" xmlns:o="urn:schemas-microsoft-com:office:office" xmlns:v="urn:schemas-microsoft-com:vml" xmlns:pvml="urn:schemas-microsoft-com:office:powerpoint" xmlns:com="http://schemas.openxmlformats.org/drawingml/2006/compatibility" xmlns:p14="http://schemas.microsoft.com/office/powerpoint/2010/main" xmlns:p15="http://schemas.microsoft.com/office/powerpoint/2012/main" xmlns:ahyp="http://schemas.microsoft.com/office/drawing/2018/hyperlinkcolor" showMasterPhAnim="0" showMasterSp="0">
-  <p:cSld>
-    <p:spTree>
-      <p:nvGrpSpPr>
-        <p:cNvPr id="171" name="Shape 171"/>
-        <p:cNvGrpSpPr/>
-        <p:nvPr/>
-      </p:nvGrpSpPr>
-      <p:grpSpPr>
-        <a:xfrm>
-          <a:off x="0" y="0"/>
-          <a:ext cx="0" cy="0"/>
-          <a:chOff x="0" y="0"/>
-          <a:chExt cx="0" cy="0"/>
-        </a:xfrm>
-      </p:grpSpPr>
-      <p:sp>
-        <p:nvSpPr>
-          <p:cNvPr id="172" name="Google Shape;172;g12066ce362d_0_140:notes"/>
-          <p:cNvSpPr/>
-          <p:nvPr>
-            <p:ph idx="2" type="sldImg"/>
-          </p:nvPr>
-        </p:nvSpPr>
-        <p:spPr>
-          <a:xfrm>
-            <a:off x="381300" y="685800"/>
-            <a:ext cx="6096000" cy="3429000"/>
-          </a:xfrm>
-          <a:custGeom>
-            <a:rect b="b" l="l" r="r" t="t"/>
-            <a:pathLst>
-              <a:path extrusionOk="0" h="120000" w="120000">
-                <a:moveTo>
-                  <a:pt x="0" y="0"/>
-                </a:moveTo>
-                <a:lnTo>
-                  <a:pt x="120000" y="0"/>
-                </a:lnTo>
-                <a:lnTo>
-                  <a:pt x="120000" y="120000"/>
-                </a:lnTo>
-                <a:lnTo>
-                  <a:pt x="0" y="120000"/>
-                </a:lnTo>
-                <a:close/>
-              </a:path>
-            </a:pathLst>
-          </a:custGeom>
-        </p:spPr>
-      </p:sp>
-      <p:sp>
-        <p:nvSpPr>
-          <p:cNvPr id="173" name="Google Shape;173;g12066ce362d_0_140:notes"/>
-          <p:cNvSpPr txBox="1"/>
-          <p:nvPr>
-            <p:ph idx="1" type="body"/>
-          </p:nvPr>
-        </p:nvSpPr>
-        <p:spPr>
-          <a:xfrm>
-            <a:off x="685800" y="4343400"/>
-            <a:ext cx="5486400" cy="4114800"/>
-          </a:xfrm>
-          <a:prstGeom prst="rect">
-            <a:avLst/>
-          </a:prstGeom>
-        </p:spPr>
-        <p:txBody>
-          <a:bodyPr anchorCtr="0" anchor="t" bIns="91425" lIns="91425" spcFirstLastPara="1" rIns="91425" wrap="square" tIns="91425">
-            <a:noAutofit/>
-          </a:bodyPr>
-          <a:lstStyle/>
-          <a:p>
-            <a:pPr indent="0" lvl="0" marL="0" rtl="0" algn="l">
-              <a:spcBef>
-                <a:spcPts val="0"/>
-              </a:spcBef>
-              <a:spcAft>
-                <a:spcPts val="0"/>
-              </a:spcAft>
-              <a:buNone/>
-            </a:pPr>
-            <a:r>
-              <a:t/>
-            </a:r>
-            <a:endParaRPr/>
-          </a:p>
-        </p:txBody>
-      </p:sp>
-    </p:spTree>
-  </p:cSld>
-  <p:clrMapOvr>
-    <a:masterClrMapping/>
-  </p:clrMapOvr>
-</p:notes>
-</file>
-
-<file path=ppt/notesSlides/notesSlide9.xml><?xml version="1.0" encoding="utf-8"?>
 <p:notes xmlns:a="http://schemas.openxmlformats.org/drawingml/2006/main" xmlns:r="http://schemas.openxmlformats.org/officeDocument/2006/relationships" xmlns:mc="http://schemas.openxmlformats.org/markup-compatibility/2006" xmlns:mv="urn:schemas-microsoft-com:mac:vml" xmlns:p="http://schemas.openxmlformats.org/presentationml/2006/main" xmlns:c="http://schemas.openxmlformats.org/drawingml/2006/chart" xmlns:dgm="http://schemas.openxmlformats.org/drawingml/2006/diagram" xmlns:o="urn:schemas-microsoft-com:office:office" xmlns:v="urn:schemas-microsoft-com:vml" xmlns:pvml="urn:schemas-microsoft-com:office:powerpoint" xmlns:com="http://schemas.openxmlformats.org/drawingml/2006/compatibility" xmlns:p14="http://schemas.microsoft.com/office/powerpoint/2010/main" xmlns:p15="http://schemas.microsoft.com/office/powerpoint/2012/main" xmlns:ahyp="http://schemas.microsoft.com/office/drawing/2018/hyperlinkcolor" showMasterPhAnim="0" showMasterSp="0">
   <p:cSld>
     <p:spTree>
@@ -2457,6 +2158,105 @@
       <p:sp>
         <p:nvSpPr>
           <p:cNvPr id="179" name="Google Shape;179;g12066ce362d_0_175:notes"/>
+          <p:cNvSpPr txBox="1"/>
+          <p:nvPr>
+            <p:ph idx="1" type="body"/>
+          </p:nvPr>
+        </p:nvSpPr>
+        <p:spPr>
+          <a:xfrm>
+            <a:off x="685800" y="4343400"/>
+            <a:ext cx="5486400" cy="4114800"/>
+          </a:xfrm>
+          <a:prstGeom prst="rect">
+            <a:avLst/>
+          </a:prstGeom>
+        </p:spPr>
+        <p:txBody>
+          <a:bodyPr anchorCtr="0" anchor="t" bIns="91425" lIns="91425" spcFirstLastPara="1" rIns="91425" wrap="square" tIns="91425">
+            <a:noAutofit/>
+          </a:bodyPr>
+          <a:lstStyle/>
+          <a:p>
+            <a:pPr indent="0" lvl="0" marL="0" rtl="0" algn="l">
+              <a:spcBef>
+                <a:spcPts val="0"/>
+              </a:spcBef>
+              <a:spcAft>
+                <a:spcPts val="0"/>
+              </a:spcAft>
+              <a:buNone/>
+            </a:pPr>
+            <a:r>
+              <a:t/>
+            </a:r>
+            <a:endParaRPr/>
+          </a:p>
+        </p:txBody>
+      </p:sp>
+    </p:spTree>
+  </p:cSld>
+  <p:clrMapOvr>
+    <a:masterClrMapping/>
+  </p:clrMapOvr>
+</p:notes>
+</file>
+
+<file path=ppt/notesSlides/notesSlide9.xml><?xml version="1.0" encoding="utf-8"?>
+<p:notes xmlns:a="http://schemas.openxmlformats.org/drawingml/2006/main" xmlns:r="http://schemas.openxmlformats.org/officeDocument/2006/relationships" xmlns:mc="http://schemas.openxmlformats.org/markup-compatibility/2006" xmlns:mv="urn:schemas-microsoft-com:mac:vml" xmlns:p="http://schemas.openxmlformats.org/presentationml/2006/main" xmlns:c="http://schemas.openxmlformats.org/drawingml/2006/chart" xmlns:dgm="http://schemas.openxmlformats.org/drawingml/2006/diagram" xmlns:o="urn:schemas-microsoft-com:office:office" xmlns:v="urn:schemas-microsoft-com:vml" xmlns:pvml="urn:schemas-microsoft-com:office:powerpoint" xmlns:com="http://schemas.openxmlformats.org/drawingml/2006/compatibility" xmlns:p14="http://schemas.microsoft.com/office/powerpoint/2010/main" xmlns:p15="http://schemas.microsoft.com/office/powerpoint/2012/main" xmlns:ahyp="http://schemas.microsoft.com/office/drawing/2018/hyperlinkcolor" showMasterPhAnim="0" showMasterSp="0">
+  <p:cSld>
+    <p:spTree>
+      <p:nvGrpSpPr>
+        <p:cNvPr id="183" name="Shape 183"/>
+        <p:cNvGrpSpPr/>
+        <p:nvPr/>
+      </p:nvGrpSpPr>
+      <p:grpSpPr>
+        <a:xfrm>
+          <a:off x="0" y="0"/>
+          <a:ext cx="0" cy="0"/>
+          <a:chOff x="0" y="0"/>
+          <a:chExt cx="0" cy="0"/>
+        </a:xfrm>
+      </p:grpSpPr>
+      <p:sp>
+        <p:nvSpPr>
+          <p:cNvPr id="184" name="Google Shape;184;g12066ce362d_0_180:notes"/>
+          <p:cNvSpPr/>
+          <p:nvPr>
+            <p:ph idx="2" type="sldImg"/>
+          </p:nvPr>
+        </p:nvSpPr>
+        <p:spPr>
+          <a:xfrm>
+            <a:off x="381300" y="685800"/>
+            <a:ext cx="6096000" cy="3429000"/>
+          </a:xfrm>
+          <a:custGeom>
+            <a:rect b="b" l="l" r="r" t="t"/>
+            <a:pathLst>
+              <a:path extrusionOk="0" h="120000" w="120000">
+                <a:moveTo>
+                  <a:pt x="0" y="0"/>
+                </a:moveTo>
+                <a:lnTo>
+                  <a:pt x="120000" y="0"/>
+                </a:lnTo>
+                <a:lnTo>
+                  <a:pt x="120000" y="120000"/>
+                </a:lnTo>
+                <a:lnTo>
+                  <a:pt x="0" y="120000"/>
+                </a:lnTo>
+                <a:close/>
+              </a:path>
+            </a:pathLst>
+          </a:custGeom>
+        </p:spPr>
+      </p:sp>
+      <p:sp>
+        <p:nvSpPr>
+          <p:cNvPr id="185" name="Google Shape;185;g12066ce362d_0_180:notes"/>
           <p:cNvSpPr txBox="1"/>
           <p:nvPr>
             <p:ph idx="1" type="body"/>
@@ -10844,7 +10644,7 @@
   <p:cSld>
     <p:spTree>
       <p:nvGrpSpPr>
-        <p:cNvPr id="186" name="Shape 186"/>
+        <p:cNvPr id="192" name="Shape 192"/>
         <p:cNvGrpSpPr/>
         <p:nvPr/>
       </p:nvGrpSpPr>
@@ -10858,7 +10658,7 @@
       </p:grpSpPr>
       <p:sp>
         <p:nvSpPr>
-          <p:cNvPr id="187" name="Google Shape;187;p22"/>
+          <p:cNvPr id="193" name="Google Shape;193;p22"/>
           <p:cNvSpPr txBox="1"/>
           <p:nvPr>
             <p:ph type="title"/>
@@ -10889,8 +10689,96 @@
               <a:buNone/>
             </a:pPr>
             <a:r>
+              <a:rPr b="1" lang="en"/>
+              <a:t>Adapter Pattern</a:t>
+            </a:r>
+            <a:endParaRPr b="1"/>
+          </a:p>
+        </p:txBody>
+      </p:sp>
+      <p:sp>
+        <p:nvSpPr>
+          <p:cNvPr id="194" name="Google Shape;194;p22"/>
+          <p:cNvSpPr txBox="1"/>
+          <p:nvPr>
+            <p:ph idx="1" type="body"/>
+          </p:nvPr>
+        </p:nvSpPr>
+        <p:spPr>
+          <a:xfrm>
+            <a:off x="1297500" y="1676850"/>
+            <a:ext cx="7038900" cy="1482600"/>
+          </a:xfrm>
+          <a:prstGeom prst="rect">
+            <a:avLst/>
+          </a:prstGeom>
+        </p:spPr>
+        <p:txBody>
+          <a:bodyPr anchorCtr="0" anchor="t" bIns="91425" lIns="91425" spcFirstLastPara="1" rIns="91425" wrap="square" tIns="91425">
+            <a:normAutofit lnSpcReduction="10000"/>
+          </a:bodyPr>
+          <a:lstStyle/>
+          <a:p>
+            <a:pPr indent="0" lvl="0" marL="0" rtl="0" algn="l">
+              <a:spcBef>
+                <a:spcPts val="0"/>
+              </a:spcBef>
+              <a:spcAft>
+                <a:spcPts val="0"/>
+              </a:spcAft>
+              <a:buNone/>
+            </a:pPr>
+            <a:r>
               <a:rPr lang="en"/>
-              <a:t>Decorator Pattern</a:t>
+              <a:t>Converts interface of a class into another interface expected by client. </a:t>
+            </a:r>
+            <a:endParaRPr/>
+          </a:p>
+          <a:p>
+            <a:pPr indent="0" lvl="0" marL="0" rtl="0" algn="l">
+              <a:spcBef>
+                <a:spcPts val="1200"/>
+              </a:spcBef>
+              <a:spcAft>
+                <a:spcPts val="0"/>
+              </a:spcAft>
+              <a:buNone/>
+            </a:pPr>
+            <a:r>
+              <a:rPr lang="en"/>
+              <a:t>Allows classes to work together that couldn’t otherwise because of incompatible interfaces.</a:t>
+            </a:r>
+            <a:endParaRPr/>
+          </a:p>
+          <a:p>
+            <a:pPr indent="0" lvl="0" marL="0" rtl="0" algn="l">
+              <a:spcBef>
+                <a:spcPts val="1200"/>
+              </a:spcBef>
+              <a:spcAft>
+                <a:spcPts val="0"/>
+              </a:spcAft>
+              <a:buNone/>
+            </a:pPr>
+            <a:r>
+              <a:rPr lang="en"/>
+              <a:t>Example: Consider the case where a client needs to derive a Date from a LocalDate object.</a:t>
+            </a:r>
+            <a:endParaRPr/>
+          </a:p>
+          <a:p>
+            <a:pPr indent="0" lvl="0" marL="0" rtl="0" algn="l">
+              <a:spcBef>
+                <a:spcPts val="1200"/>
+              </a:spcBef>
+              <a:spcAft>
+                <a:spcPts val="1200"/>
+              </a:spcAft>
+              <a:buNone/>
+            </a:pPr>
+            <a:r>
+              <a:rPr lang="en"/>
+              <a:t>Defining an Adapter Class:</a:t>
             </a:r>
             <a:endParaRPr/>
           </a:p>
@@ -10898,7 +10786,7 @@
       </p:sp>
       <p:sp>
         <p:nvSpPr>
-          <p:cNvPr id="188" name="Google Shape;188;p22"/>
+          <p:cNvPr id="195" name="Google Shape;195;p22"/>
           <p:cNvSpPr txBox="1"/>
           <p:nvPr>
             <p:ph idx="1" type="body"/>
@@ -10906,8 +10794,8 @@
         </p:nvSpPr>
         <p:spPr>
           <a:xfrm>
-            <a:off x="1297500" y="1567550"/>
-            <a:ext cx="7038900" cy="2911200"/>
+            <a:off x="1297500" y="1273300"/>
+            <a:ext cx="7038900" cy="405600"/>
           </a:xfrm>
           <a:prstGeom prst="rect">
             <a:avLst/>
@@ -10915,7 +10803,7 @@
         </p:spPr>
         <p:txBody>
           <a:bodyPr anchorCtr="0" anchor="t" bIns="91425" lIns="91425" spcFirstLastPara="1" rIns="91425" wrap="square" tIns="91425">
-            <a:normAutofit/>
+            <a:noAutofit/>
           </a:bodyPr>
           <a:lstStyle/>
           <a:p>
@@ -10928,69 +10816,32 @@
               </a:spcAft>
               <a:buNone/>
             </a:pPr>
-            <a:r>
-              <a:rPr lang="en"/>
-              <a:t>Attach additional responsibilities to an object dynamically.</a:t>
-            </a:r>
-            <a:endParaRPr/>
-          </a:p>
-          <a:p>
-            <a:pPr indent="0" lvl="0" marL="0" rtl="0" algn="l">
-              <a:spcBef>
-                <a:spcPts val="1200"/>
-              </a:spcBef>
-              <a:spcAft>
-                <a:spcPts val="0"/>
-              </a:spcAft>
-              <a:buNone/>
-            </a:pPr>
-            <a:r>
-              <a:rPr lang="en"/>
-              <a:t>Provides a flexible alternative to subclassing for extending functionality.</a:t>
-            </a:r>
-            <a:endParaRPr/>
-          </a:p>
-          <a:p>
-            <a:pPr indent="0" lvl="0" marL="0" rtl="0" algn="l">
-              <a:spcBef>
-                <a:spcPts val="1200"/>
-              </a:spcBef>
-              <a:spcAft>
-                <a:spcPts val="1200"/>
-              </a:spcAft>
-              <a:buNone/>
-            </a:pPr>
-            <a:r>
-              <a:rPr lang="en"/>
-              <a:t>Redundancies</a:t>
-            </a:r>
-            <a:r>
-              <a:rPr lang="en"/>
-              <a:t> from this design are preventable by decorating Profile with a Player. Example being: </a:t>
-            </a:r>
-            <a:r>
-              <a:rPr lang="en">
-                <a:solidFill>
-                  <a:srgbClr val="93C47D"/>
-                </a:solidFill>
-              </a:rPr>
-              <a:t>public class</a:t>
-            </a:r>
-            <a:r>
-              <a:rPr lang="en"/>
-              <a:t> Player </a:t>
-            </a:r>
             <a:r>
               <a:rPr lang="en">
                 <a:solidFill>
                   <a:schemeClr val="lt2"/>
                 </a:solidFill>
               </a:rPr>
-              <a:t>extends</a:t>
+              <a:t>Adapter pattern works as a bridge between two incompatible interfaces.</a:t>
             </a:r>
+            <a:endParaRPr>
+              <a:solidFill>
+                <a:schemeClr val="lt2"/>
+              </a:solidFill>
+            </a:endParaRPr>
+          </a:p>
+          <a:p>
+            <a:pPr indent="0" lvl="0" marL="0" rtl="0" algn="l">
+              <a:spcBef>
+                <a:spcPts val="1200"/>
+              </a:spcBef>
+              <a:spcAft>
+                <a:spcPts val="1200"/>
+              </a:spcAft>
+              <a:buNone/>
+            </a:pPr>
             <a:r>
-              <a:rPr lang="en"/>
-              <a:t> Profile {</a:t>
+              <a:t/>
             </a:r>
             <a:endParaRPr/>
           </a:p>
@@ -11009,7 +10860,7 @@
   <p:cSld>
     <p:spTree>
       <p:nvGrpSpPr>
-        <p:cNvPr id="192" name="Shape 192"/>
+        <p:cNvPr id="199" name="Shape 199"/>
         <p:cNvGrpSpPr/>
         <p:nvPr/>
       </p:nvGrpSpPr>
@@ -11023,7 +10874,7 @@
       </p:grpSpPr>
       <p:sp>
         <p:nvSpPr>
-          <p:cNvPr id="193" name="Google Shape;193;p23"/>
+          <p:cNvPr id="200" name="Google Shape;200;p23"/>
           <p:cNvSpPr txBox="1"/>
           <p:nvPr>
             <p:ph type="title"/>
@@ -11054,169 +10905,16 @@
               <a:buNone/>
             </a:pPr>
             <a:r>
-              <a:rPr lang="en"/>
-              <a:t>Adapter Pattern</a:t>
+              <a:rPr b="1" lang="en"/>
+              <a:t>Proxy Pattern</a:t>
             </a:r>
-            <a:endParaRPr/>
+            <a:endParaRPr b="1"/>
           </a:p>
         </p:txBody>
       </p:sp>
       <p:sp>
         <p:nvSpPr>
-          <p:cNvPr id="194" name="Google Shape;194;p23"/>
-          <p:cNvSpPr txBox="1"/>
-          <p:nvPr>
-            <p:ph idx="1" type="body"/>
-          </p:nvPr>
-        </p:nvSpPr>
-        <p:spPr>
-          <a:xfrm>
-            <a:off x="1297500" y="1219650"/>
-            <a:ext cx="7038900" cy="2911200"/>
-          </a:xfrm>
-          <a:prstGeom prst="rect">
-            <a:avLst/>
-          </a:prstGeom>
-        </p:spPr>
-        <p:txBody>
-          <a:bodyPr anchorCtr="0" anchor="t" bIns="91425" lIns="91425" spcFirstLastPara="1" rIns="91425" wrap="square" tIns="91425">
-            <a:normAutofit/>
-          </a:bodyPr>
-          <a:lstStyle/>
-          <a:p>
-            <a:pPr indent="0" lvl="0" marL="0" rtl="0" algn="l">
-              <a:spcBef>
-                <a:spcPts val="0"/>
-              </a:spcBef>
-              <a:spcAft>
-                <a:spcPts val="0"/>
-              </a:spcAft>
-              <a:buNone/>
-            </a:pPr>
-            <a:r>
-              <a:rPr lang="en"/>
-              <a:t>Converts interface of a class into another interface expected by client. </a:t>
-            </a:r>
-            <a:endParaRPr/>
-          </a:p>
-          <a:p>
-            <a:pPr indent="0" lvl="0" marL="0" rtl="0" algn="l">
-              <a:spcBef>
-                <a:spcPts val="1200"/>
-              </a:spcBef>
-              <a:spcAft>
-                <a:spcPts val="0"/>
-              </a:spcAft>
-              <a:buNone/>
-            </a:pPr>
-            <a:r>
-              <a:rPr lang="en"/>
-              <a:t>Allows classes to work together that couldn’t otherwise because of incompatible interfaces.</a:t>
-            </a:r>
-            <a:endParaRPr/>
-          </a:p>
-          <a:p>
-            <a:pPr indent="0" lvl="0" marL="0" rtl="0" algn="l">
-              <a:spcBef>
-                <a:spcPts val="1200"/>
-              </a:spcBef>
-              <a:spcAft>
-                <a:spcPts val="0"/>
-              </a:spcAft>
-              <a:buNone/>
-            </a:pPr>
-            <a:r>
-              <a:rPr lang="en"/>
-              <a:t>Example: Consider the case where a client needs to derive a Date from a LocalDate object.</a:t>
-            </a:r>
-            <a:endParaRPr/>
-          </a:p>
-          <a:p>
-            <a:pPr indent="0" lvl="0" marL="0" rtl="0" algn="l">
-              <a:spcBef>
-                <a:spcPts val="1200"/>
-              </a:spcBef>
-              <a:spcAft>
-                <a:spcPts val="1200"/>
-              </a:spcAft>
-              <a:buNone/>
-            </a:pPr>
-            <a:r>
-              <a:rPr lang="en"/>
-              <a:t>Defining an Adapter Class:</a:t>
-            </a:r>
-            <a:endParaRPr/>
-          </a:p>
-        </p:txBody>
-      </p:sp>
-    </p:spTree>
-  </p:cSld>
-  <p:clrMapOvr>
-    <a:masterClrMapping/>
-  </p:clrMapOvr>
-</p:sld>
-</file>
-
-<file path=ppt/slides/slide12.xml><?xml version="1.0" encoding="utf-8"?>
-<p:sld xmlns:a="http://schemas.openxmlformats.org/drawingml/2006/main" xmlns:r="http://schemas.openxmlformats.org/officeDocument/2006/relationships" xmlns:mc="http://schemas.openxmlformats.org/markup-compatibility/2006" xmlns:mv="urn:schemas-microsoft-com:mac:vml" xmlns:p="http://schemas.openxmlformats.org/presentationml/2006/main" xmlns:c="http://schemas.openxmlformats.org/drawingml/2006/chart" xmlns:dgm="http://schemas.openxmlformats.org/drawingml/2006/diagram" xmlns:o="urn:schemas-microsoft-com:office:office" xmlns:v="urn:schemas-microsoft-com:vml" xmlns:pvml="urn:schemas-microsoft-com:office:powerpoint" xmlns:com="http://schemas.openxmlformats.org/drawingml/2006/compatibility" xmlns:p14="http://schemas.microsoft.com/office/powerpoint/2010/main" xmlns:p15="http://schemas.microsoft.com/office/powerpoint/2012/main" xmlns:ahyp="http://schemas.microsoft.com/office/drawing/2018/hyperlinkcolor">
-  <p:cSld>
-    <p:spTree>
-      <p:nvGrpSpPr>
-        <p:cNvPr id="198" name="Shape 198"/>
-        <p:cNvGrpSpPr/>
-        <p:nvPr/>
-      </p:nvGrpSpPr>
-      <p:grpSpPr>
-        <a:xfrm>
-          <a:off x="0" y="0"/>
-          <a:ext cx="0" cy="0"/>
-          <a:chOff x="0" y="0"/>
-          <a:chExt cx="0" cy="0"/>
-        </a:xfrm>
-      </p:grpSpPr>
-      <p:sp>
-        <p:nvSpPr>
-          <p:cNvPr id="199" name="Google Shape;199;p24"/>
-          <p:cNvSpPr txBox="1"/>
-          <p:nvPr>
-            <p:ph type="title"/>
-          </p:nvPr>
-        </p:nvSpPr>
-        <p:spPr>
-          <a:xfrm>
-            <a:off x="1297500" y="393750"/>
-            <a:ext cx="7038900" cy="914100"/>
-          </a:xfrm>
-          <a:prstGeom prst="rect">
-            <a:avLst/>
-          </a:prstGeom>
-        </p:spPr>
-        <p:txBody>
-          <a:bodyPr anchorCtr="0" anchor="t" bIns="91425" lIns="91425" spcFirstLastPara="1" rIns="91425" wrap="square" tIns="91425">
-            <a:normAutofit/>
-          </a:bodyPr>
-          <a:lstStyle/>
-          <a:p>
-            <a:pPr indent="0" lvl="0" marL="0" rtl="0" algn="l">
-              <a:spcBef>
-                <a:spcPts val="0"/>
-              </a:spcBef>
-              <a:spcAft>
-                <a:spcPts val="0"/>
-              </a:spcAft>
-              <a:buNone/>
-            </a:pPr>
-            <a:r>
-              <a:rPr lang="en"/>
-              <a:t>Proxy Pattern</a:t>
-            </a:r>
-            <a:endParaRPr/>
-          </a:p>
-        </p:txBody>
-      </p:sp>
-      <p:sp>
-        <p:nvSpPr>
-          <p:cNvPr id="200" name="Google Shape;200;p24"/>
+          <p:cNvPr id="201" name="Google Shape;201;p23"/>
           <p:cNvSpPr txBox="1"/>
           <p:nvPr>
             <p:ph idx="1" type="body"/>
@@ -11372,7 +11070,7 @@
       </p:sp>
       <p:pic>
         <p:nvPicPr>
-          <p:cNvPr id="201" name="Google Shape;201;p24"/>
+          <p:cNvPr id="202" name="Google Shape;202;p23"/>
           <p:cNvPicPr preferRelativeResize="0"/>
           <p:nvPr/>
         </p:nvPicPr>
@@ -11406,12 +11104,12 @@
 </p:sld>
 </file>
 
-<file path=ppt/slides/slide13.xml><?xml version="1.0" encoding="utf-8"?>
+<file path=ppt/slides/slide12.xml><?xml version="1.0" encoding="utf-8"?>
 <p:sld xmlns:a="http://schemas.openxmlformats.org/drawingml/2006/main" xmlns:r="http://schemas.openxmlformats.org/officeDocument/2006/relationships" xmlns:mc="http://schemas.openxmlformats.org/markup-compatibility/2006" xmlns:mv="urn:schemas-microsoft-com:mac:vml" xmlns:p="http://schemas.openxmlformats.org/presentationml/2006/main" xmlns:c="http://schemas.openxmlformats.org/drawingml/2006/chart" xmlns:dgm="http://schemas.openxmlformats.org/drawingml/2006/diagram" xmlns:o="urn:schemas-microsoft-com:office:office" xmlns:v="urn:schemas-microsoft-com:vml" xmlns:pvml="urn:schemas-microsoft-com:office:powerpoint" xmlns:com="http://schemas.openxmlformats.org/drawingml/2006/compatibility" xmlns:p14="http://schemas.microsoft.com/office/powerpoint/2010/main" xmlns:p15="http://schemas.microsoft.com/office/powerpoint/2012/main" xmlns:ahyp="http://schemas.microsoft.com/office/drawing/2018/hyperlinkcolor">
   <p:cSld>
     <p:spTree>
       <p:nvGrpSpPr>
-        <p:cNvPr id="205" name="Shape 205"/>
+        <p:cNvPr id="206" name="Shape 206"/>
         <p:cNvGrpSpPr/>
         <p:nvPr/>
       </p:nvGrpSpPr>
@@ -11425,7 +11123,7 @@
       </p:grpSpPr>
       <p:sp>
         <p:nvSpPr>
-          <p:cNvPr id="206" name="Google Shape;206;p25"/>
+          <p:cNvPr id="207" name="Google Shape;207;p24"/>
           <p:cNvSpPr txBox="1"/>
           <p:nvPr>
             <p:ph type="ctrTitle"/>
@@ -11433,7 +11131,7 @@
         </p:nvSpPr>
         <p:spPr>
           <a:xfrm>
-            <a:off x="2811525" y="1249950"/>
+            <a:off x="2762950" y="952400"/>
             <a:ext cx="6279000" cy="2643600"/>
           </a:xfrm>
           <a:prstGeom prst="rect">
@@ -11479,6 +11177,149 @@
           </a:p>
         </p:txBody>
       </p:sp>
+      <p:sp>
+        <p:nvSpPr>
+          <p:cNvPr id="208" name="Google Shape;208;p24"/>
+          <p:cNvSpPr txBox="1"/>
+          <p:nvPr/>
+        </p:nvSpPr>
+        <p:spPr>
+          <a:xfrm>
+            <a:off x="4675900" y="3097050"/>
+            <a:ext cx="3983700" cy="1431600"/>
+          </a:xfrm>
+          <a:prstGeom prst="rect">
+            <a:avLst/>
+          </a:prstGeom>
+          <a:noFill/>
+          <a:ln>
+            <a:noFill/>
+          </a:ln>
+        </p:spPr>
+        <p:txBody>
+          <a:bodyPr anchorCtr="0" anchor="t" bIns="91425" lIns="91425" spcFirstLastPara="1" rIns="91425" wrap="square" tIns="91425">
+            <a:spAutoFit/>
+          </a:bodyPr>
+          <a:lstStyle/>
+          <a:p>
+            <a:pPr indent="-304800" lvl="0" marL="457200" rtl="0" algn="l">
+              <a:lnSpc>
+                <a:spcPct val="115000"/>
+              </a:lnSpc>
+              <a:spcBef>
+                <a:spcPts val="0"/>
+              </a:spcBef>
+              <a:spcAft>
+                <a:spcPts val="0"/>
+              </a:spcAft>
+              <a:buClr>
+                <a:schemeClr val="lt1"/>
+              </a:buClr>
+              <a:buSzPts val="1200"/>
+              <a:buFont typeface="Lato"/>
+              <a:buChar char="●"/>
+            </a:pPr>
+            <a:r>
+              <a:rPr lang="en" sz="1200">
+                <a:solidFill>
+                  <a:schemeClr val="lt1"/>
+                </a:solidFill>
+                <a:latin typeface="Lato"/>
+                <a:ea typeface="Lato"/>
+                <a:cs typeface="Lato"/>
+                <a:sym typeface="Lato"/>
+              </a:rPr>
+              <a:t>Characterizes the ways in which classes or objects interact and distribute responsibility.</a:t>
+            </a:r>
+            <a:endParaRPr sz="1200">
+              <a:solidFill>
+                <a:schemeClr val="lt1"/>
+              </a:solidFill>
+              <a:latin typeface="Lato"/>
+              <a:ea typeface="Lato"/>
+              <a:cs typeface="Lato"/>
+              <a:sym typeface="Lato"/>
+            </a:endParaRPr>
+          </a:p>
+          <a:p>
+            <a:pPr indent="-304800" lvl="0" marL="457200" rtl="0" algn="l">
+              <a:lnSpc>
+                <a:spcPct val="115000"/>
+              </a:lnSpc>
+              <a:spcBef>
+                <a:spcPts val="0"/>
+              </a:spcBef>
+              <a:spcAft>
+                <a:spcPts val="0"/>
+              </a:spcAft>
+              <a:buClr>
+                <a:schemeClr val="lt1"/>
+              </a:buClr>
+              <a:buSzPts val="1200"/>
+              <a:buFont typeface="Lato"/>
+              <a:buChar char="●"/>
+            </a:pPr>
+            <a:r>
+              <a:rPr lang="en" sz="1200">
+                <a:solidFill>
+                  <a:schemeClr val="lt1"/>
+                </a:solidFill>
+                <a:latin typeface="Lato"/>
+                <a:ea typeface="Lato"/>
+                <a:cs typeface="Lato"/>
+                <a:sym typeface="Lato"/>
+              </a:rPr>
+              <a:t>Concerned with algorithms and the assignment of responsibilities between objects.</a:t>
+            </a:r>
+            <a:endParaRPr sz="1200">
+              <a:solidFill>
+                <a:schemeClr val="lt1"/>
+              </a:solidFill>
+              <a:latin typeface="Lato"/>
+              <a:ea typeface="Lato"/>
+              <a:cs typeface="Lato"/>
+              <a:sym typeface="Lato"/>
+            </a:endParaRPr>
+          </a:p>
+          <a:p>
+            <a:pPr indent="-304800" lvl="0" marL="457200" rtl="0" algn="l">
+              <a:lnSpc>
+                <a:spcPct val="115000"/>
+              </a:lnSpc>
+              <a:spcBef>
+                <a:spcPts val="0"/>
+              </a:spcBef>
+              <a:spcAft>
+                <a:spcPts val="0"/>
+              </a:spcAft>
+              <a:buClr>
+                <a:schemeClr val="lt1"/>
+              </a:buClr>
+              <a:buSzPts val="1200"/>
+              <a:buFont typeface="Lato"/>
+              <a:buChar char="●"/>
+            </a:pPr>
+            <a:r>
+              <a:rPr lang="en" sz="1200">
+                <a:solidFill>
+                  <a:schemeClr val="lt1"/>
+                </a:solidFill>
+                <a:latin typeface="Lato"/>
+                <a:ea typeface="Lato"/>
+                <a:cs typeface="Lato"/>
+                <a:sym typeface="Lato"/>
+              </a:rPr>
+              <a:t>Describe object/class patterns as well as the resulting communication patterns between them.</a:t>
+            </a:r>
+            <a:endParaRPr sz="1300">
+              <a:latin typeface="Lato"/>
+              <a:ea typeface="Lato"/>
+              <a:cs typeface="Lato"/>
+              <a:sym typeface="Lato"/>
+            </a:endParaRPr>
+          </a:p>
+        </p:txBody>
+      </p:sp>
     </p:spTree>
   </p:cSld>
   <p:clrMapOvr>
@@ -11487,12 +11328,12 @@
 </p:sld>
 </file>
 
-<file path=ppt/slides/slide14.xml><?xml version="1.0" encoding="utf-8"?>
+<file path=ppt/slides/slide13.xml><?xml version="1.0" encoding="utf-8"?>
 <p:sld xmlns:a="http://schemas.openxmlformats.org/drawingml/2006/main" xmlns:r="http://schemas.openxmlformats.org/officeDocument/2006/relationships" xmlns:mc="http://schemas.openxmlformats.org/markup-compatibility/2006" xmlns:mv="urn:schemas-microsoft-com:mac:vml" xmlns:p="http://schemas.openxmlformats.org/presentationml/2006/main" xmlns:c="http://schemas.openxmlformats.org/drawingml/2006/chart" xmlns:dgm="http://schemas.openxmlformats.org/drawingml/2006/diagram" xmlns:o="urn:schemas-microsoft-com:office:office" xmlns:v="urn:schemas-microsoft-com:vml" xmlns:pvml="urn:schemas-microsoft-com:office:powerpoint" xmlns:com="http://schemas.openxmlformats.org/drawingml/2006/compatibility" xmlns:p14="http://schemas.microsoft.com/office/powerpoint/2010/main" xmlns:p15="http://schemas.microsoft.com/office/powerpoint/2012/main" xmlns:ahyp="http://schemas.microsoft.com/office/drawing/2018/hyperlinkcolor">
   <p:cSld>
     <p:spTree>
       <p:nvGrpSpPr>
-        <p:cNvPr id="210" name="Shape 210"/>
+        <p:cNvPr id="212" name="Shape 212"/>
         <p:cNvGrpSpPr/>
         <p:nvPr/>
       </p:nvGrpSpPr>
@@ -11506,7 +11347,7 @@
       </p:grpSpPr>
       <p:sp>
         <p:nvSpPr>
-          <p:cNvPr id="211" name="Google Shape;211;p26"/>
+          <p:cNvPr id="213" name="Google Shape;213;p25"/>
           <p:cNvSpPr txBox="1"/>
           <p:nvPr>
             <p:ph type="title"/>
@@ -11537,16 +11378,16 @@
               <a:buNone/>
             </a:pPr>
             <a:r>
-              <a:rPr lang="en"/>
-              <a:t>Behavioral Patterns cont…</a:t>
+              <a:rPr b="1" lang="en"/>
+              <a:t>Strategy Pattern</a:t>
             </a:r>
-            <a:endParaRPr/>
+            <a:endParaRPr b="1"/>
           </a:p>
         </p:txBody>
       </p:sp>
       <p:sp>
         <p:nvSpPr>
-          <p:cNvPr id="212" name="Google Shape;212;p26"/>
+          <p:cNvPr id="214" name="Google Shape;214;p25"/>
           <p:cNvSpPr txBox="1"/>
           <p:nvPr>
             <p:ph idx="1" type="body"/>
@@ -11578,39 +11419,109 @@
             </a:pPr>
             <a:r>
               <a:rPr lang="en"/>
-              <a:t>Characterizes the ways in which classes or objects interact and distribute responsibility.</a:t>
+              <a:t>Concepts</a:t>
             </a:r>
             <a:endParaRPr/>
           </a:p>
           <a:p>
-            <a:pPr indent="0" lvl="0" marL="0" rtl="0" algn="l">
+            <a:pPr indent="-311150" lvl="0" marL="457200" rtl="0" algn="l">
               <a:spcBef>
                 <a:spcPts val="1200"/>
               </a:spcBef>
               <a:spcAft>
                 <a:spcPts val="0"/>
               </a:spcAft>
-              <a:buNone/>
+              <a:buSzPts val="1300"/>
+              <a:buChar char="●"/>
             </a:pPr>
             <a:r>
               <a:rPr lang="en"/>
-              <a:t>Concerned with algorithms and the assignment of responsibilities between objects.</a:t>
+              <a:t>Eliminate conditional statements</a:t>
             </a:r>
             <a:endParaRPr/>
           </a:p>
           <a:p>
-            <a:pPr indent="0" lvl="0" marL="0" rtl="0" algn="l">
-              <a:spcBef>
-                <a:spcPts val="1200"/>
-              </a:spcBef>
-              <a:spcAft>
-                <a:spcPts val="0"/>
-              </a:spcAft>
-              <a:buNone/>
+            <a:pPr indent="-311150" lvl="0" marL="457200" rtl="0" algn="l">
+              <a:spcBef>
+                <a:spcPts val="0"/>
+              </a:spcBef>
+              <a:spcAft>
+                <a:spcPts val="0"/>
+              </a:spcAft>
+              <a:buSzPts val="1300"/>
+              <a:buChar char="●"/>
             </a:pPr>
             <a:r>
               <a:rPr lang="en"/>
-              <a:t>Describe object/class patterns as well as the resulting communication patterns between them.</a:t>
+              <a:t>Behavior encapsulated in classes</a:t>
+            </a:r>
+            <a:endParaRPr/>
+          </a:p>
+          <a:p>
+            <a:pPr indent="-311150" lvl="0" marL="457200" rtl="0" algn="l">
+              <a:spcBef>
+                <a:spcPts val="0"/>
+              </a:spcBef>
+              <a:spcAft>
+                <a:spcPts val="0"/>
+              </a:spcAft>
+              <a:buSzPts val="1300"/>
+              <a:buChar char="●"/>
+            </a:pPr>
+            <a:r>
+              <a:rPr lang="en"/>
+              <a:t>Difficult to add new strategies</a:t>
+            </a:r>
+            <a:endParaRPr/>
+          </a:p>
+          <a:p>
+            <a:pPr indent="-311150" lvl="0" marL="457200" rtl="0" algn="l">
+              <a:spcBef>
+                <a:spcPts val="0"/>
+              </a:spcBef>
+              <a:spcAft>
+                <a:spcPts val="0"/>
+              </a:spcAft>
+              <a:buSzPts val="1300"/>
+              <a:buChar char="●"/>
+            </a:pPr>
+            <a:r>
+              <a:rPr lang="en"/>
+              <a:t>Client aware of strategies</a:t>
+            </a:r>
+            <a:endParaRPr/>
+          </a:p>
+          <a:p>
+            <a:pPr indent="-311150" lvl="0" marL="457200" rtl="0" algn="l">
+              <a:spcBef>
+                <a:spcPts val="0"/>
+              </a:spcBef>
+              <a:spcAft>
+                <a:spcPts val="0"/>
+              </a:spcAft>
+              <a:buSzPts val="1300"/>
+              <a:buChar char="●"/>
+            </a:pPr>
+            <a:r>
+              <a:rPr lang="en"/>
+              <a:t>Client chooses strategy and knows different Strategies</a:t>
+            </a:r>
+            <a:endParaRPr/>
+          </a:p>
+          <a:p>
+            <a:pPr indent="-311150" lvl="0" marL="457200" rtl="0" algn="l">
+              <a:spcBef>
+                <a:spcPts val="0"/>
+              </a:spcBef>
+              <a:spcAft>
+                <a:spcPts val="0"/>
+              </a:spcAft>
+              <a:buSzPts val="1300"/>
+              <a:buChar char="●"/>
+            </a:pPr>
+            <a:r>
+              <a:rPr lang="en"/>
+              <a:t>Class per Strategy</a:t>
             </a:r>
             <a:endParaRPr/>
           </a:p>
@@ -11639,12 +11550,12 @@
 </p:sld>
 </file>
 
-<file path=ppt/slides/slide15.xml><?xml version="1.0" encoding="utf-8"?>
+<file path=ppt/slides/slide14.xml><?xml version="1.0" encoding="utf-8"?>
 <p:sld xmlns:a="http://schemas.openxmlformats.org/drawingml/2006/main" xmlns:r="http://schemas.openxmlformats.org/officeDocument/2006/relationships" xmlns:mc="http://schemas.openxmlformats.org/markup-compatibility/2006" xmlns:mv="urn:schemas-microsoft-com:mac:vml" xmlns:p="http://schemas.openxmlformats.org/presentationml/2006/main" xmlns:c="http://schemas.openxmlformats.org/drawingml/2006/chart" xmlns:dgm="http://schemas.openxmlformats.org/drawingml/2006/diagram" xmlns:o="urn:schemas-microsoft-com:office:office" xmlns:v="urn:schemas-microsoft-com:vml" xmlns:pvml="urn:schemas-microsoft-com:office:powerpoint" xmlns:com="http://schemas.openxmlformats.org/drawingml/2006/compatibility" xmlns:p14="http://schemas.microsoft.com/office/powerpoint/2010/main" xmlns:p15="http://schemas.microsoft.com/office/powerpoint/2012/main" xmlns:ahyp="http://schemas.microsoft.com/office/drawing/2018/hyperlinkcolor">
   <p:cSld>
     <p:spTree>
       <p:nvGrpSpPr>
-        <p:cNvPr id="216" name="Shape 216"/>
+        <p:cNvPr id="218" name="Shape 218"/>
         <p:cNvGrpSpPr/>
         <p:nvPr/>
       </p:nvGrpSpPr>
@@ -11658,7 +11569,7 @@
       </p:grpSpPr>
       <p:sp>
         <p:nvSpPr>
-          <p:cNvPr id="217" name="Google Shape;217;p27"/>
+          <p:cNvPr id="219" name="Google Shape;219;p26"/>
           <p:cNvSpPr txBox="1"/>
           <p:nvPr>
             <p:ph type="title"/>
@@ -11689,238 +11600,16 @@
               <a:buNone/>
             </a:pPr>
             <a:r>
-              <a:rPr lang="en"/>
-              <a:t>Strategy Pattern</a:t>
+              <a:rPr b="1" lang="en"/>
+              <a:t>Observer Pattern</a:t>
             </a:r>
-            <a:endParaRPr/>
+            <a:endParaRPr b="1"/>
           </a:p>
         </p:txBody>
       </p:sp>
       <p:sp>
         <p:nvSpPr>
-          <p:cNvPr id="218" name="Google Shape;218;p27"/>
-          <p:cNvSpPr txBox="1"/>
-          <p:nvPr>
-            <p:ph idx="1" type="body"/>
-          </p:nvPr>
-        </p:nvSpPr>
-        <p:spPr>
-          <a:xfrm>
-            <a:off x="1297500" y="1567550"/>
-            <a:ext cx="7038900" cy="2911200"/>
-          </a:xfrm>
-          <a:prstGeom prst="rect">
-            <a:avLst/>
-          </a:prstGeom>
-        </p:spPr>
-        <p:txBody>
-          <a:bodyPr anchorCtr="0" anchor="t" bIns="91425" lIns="91425" spcFirstLastPara="1" rIns="91425" wrap="square" tIns="91425">
-            <a:normAutofit/>
-          </a:bodyPr>
-          <a:lstStyle/>
-          <a:p>
-            <a:pPr indent="0" lvl="0" marL="0" rtl="0" algn="l">
-              <a:spcBef>
-                <a:spcPts val="0"/>
-              </a:spcBef>
-              <a:spcAft>
-                <a:spcPts val="0"/>
-              </a:spcAft>
-              <a:buNone/>
-            </a:pPr>
-            <a:r>
-              <a:rPr lang="en"/>
-              <a:t>Concepts</a:t>
-            </a:r>
-            <a:endParaRPr/>
-          </a:p>
-          <a:p>
-            <a:pPr indent="-311150" lvl="0" marL="457200" rtl="0" algn="l">
-              <a:spcBef>
-                <a:spcPts val="1200"/>
-              </a:spcBef>
-              <a:spcAft>
-                <a:spcPts val="0"/>
-              </a:spcAft>
-              <a:buSzPts val="1300"/>
-              <a:buChar char="●"/>
-            </a:pPr>
-            <a:r>
-              <a:rPr lang="en"/>
-              <a:t>Eliminate conditional statements</a:t>
-            </a:r>
-            <a:endParaRPr/>
-          </a:p>
-          <a:p>
-            <a:pPr indent="-311150" lvl="0" marL="457200" rtl="0" algn="l">
-              <a:spcBef>
-                <a:spcPts val="0"/>
-              </a:spcBef>
-              <a:spcAft>
-                <a:spcPts val="0"/>
-              </a:spcAft>
-              <a:buSzPts val="1300"/>
-              <a:buChar char="●"/>
-            </a:pPr>
-            <a:r>
-              <a:rPr lang="en"/>
-              <a:t>Behavior encapsulated in classes</a:t>
-            </a:r>
-            <a:endParaRPr/>
-          </a:p>
-          <a:p>
-            <a:pPr indent="-311150" lvl="0" marL="457200" rtl="0" algn="l">
-              <a:spcBef>
-                <a:spcPts val="0"/>
-              </a:spcBef>
-              <a:spcAft>
-                <a:spcPts val="0"/>
-              </a:spcAft>
-              <a:buSzPts val="1300"/>
-              <a:buChar char="●"/>
-            </a:pPr>
-            <a:r>
-              <a:rPr lang="en"/>
-              <a:t>Difficult to add new strategies</a:t>
-            </a:r>
-            <a:endParaRPr/>
-          </a:p>
-          <a:p>
-            <a:pPr indent="-311150" lvl="0" marL="457200" rtl="0" algn="l">
-              <a:spcBef>
-                <a:spcPts val="0"/>
-              </a:spcBef>
-              <a:spcAft>
-                <a:spcPts val="0"/>
-              </a:spcAft>
-              <a:buSzPts val="1300"/>
-              <a:buChar char="●"/>
-            </a:pPr>
-            <a:r>
-              <a:rPr lang="en"/>
-              <a:t>Client aware of strategies</a:t>
-            </a:r>
-            <a:endParaRPr/>
-          </a:p>
-          <a:p>
-            <a:pPr indent="-311150" lvl="0" marL="457200" rtl="0" algn="l">
-              <a:spcBef>
-                <a:spcPts val="0"/>
-              </a:spcBef>
-              <a:spcAft>
-                <a:spcPts val="0"/>
-              </a:spcAft>
-              <a:buSzPts val="1300"/>
-              <a:buChar char="●"/>
-            </a:pPr>
-            <a:r>
-              <a:rPr lang="en"/>
-              <a:t>Client chooses strategy and knows different Strategies</a:t>
-            </a:r>
-            <a:endParaRPr/>
-          </a:p>
-          <a:p>
-            <a:pPr indent="-311150" lvl="0" marL="457200" rtl="0" algn="l">
-              <a:spcBef>
-                <a:spcPts val="0"/>
-              </a:spcBef>
-              <a:spcAft>
-                <a:spcPts val="0"/>
-              </a:spcAft>
-              <a:buSzPts val="1300"/>
-              <a:buChar char="●"/>
-            </a:pPr>
-            <a:r>
-              <a:rPr lang="en"/>
-              <a:t>Class per Strategy</a:t>
-            </a:r>
-            <a:endParaRPr/>
-          </a:p>
-          <a:p>
-            <a:pPr indent="0" lvl="0" marL="457200" rtl="0" algn="l">
-              <a:spcBef>
-                <a:spcPts val="1200"/>
-              </a:spcBef>
-              <a:spcAft>
-                <a:spcPts val="1200"/>
-              </a:spcAft>
-              <a:buNone/>
-            </a:pPr>
-            <a:r>
-              <a:t/>
-            </a:r>
-            <a:endParaRPr/>
-          </a:p>
-        </p:txBody>
-      </p:sp>
-    </p:spTree>
-  </p:cSld>
-  <p:clrMapOvr>
-    <a:masterClrMapping/>
-  </p:clrMapOvr>
-</p:sld>
-</file>
-
-<file path=ppt/slides/slide16.xml><?xml version="1.0" encoding="utf-8"?>
-<p:sld xmlns:a="http://schemas.openxmlformats.org/drawingml/2006/main" xmlns:r="http://schemas.openxmlformats.org/officeDocument/2006/relationships" xmlns:mc="http://schemas.openxmlformats.org/markup-compatibility/2006" xmlns:mv="urn:schemas-microsoft-com:mac:vml" xmlns:p="http://schemas.openxmlformats.org/presentationml/2006/main" xmlns:c="http://schemas.openxmlformats.org/drawingml/2006/chart" xmlns:dgm="http://schemas.openxmlformats.org/drawingml/2006/diagram" xmlns:o="urn:schemas-microsoft-com:office:office" xmlns:v="urn:schemas-microsoft-com:vml" xmlns:pvml="urn:schemas-microsoft-com:office:powerpoint" xmlns:com="http://schemas.openxmlformats.org/drawingml/2006/compatibility" xmlns:p14="http://schemas.microsoft.com/office/powerpoint/2010/main" xmlns:p15="http://schemas.microsoft.com/office/powerpoint/2012/main" xmlns:ahyp="http://schemas.microsoft.com/office/drawing/2018/hyperlinkcolor">
-  <p:cSld>
-    <p:spTree>
-      <p:nvGrpSpPr>
-        <p:cNvPr id="222" name="Shape 222"/>
-        <p:cNvGrpSpPr/>
-        <p:nvPr/>
-      </p:nvGrpSpPr>
-      <p:grpSpPr>
-        <a:xfrm>
-          <a:off x="0" y="0"/>
-          <a:ext cx="0" cy="0"/>
-          <a:chOff x="0" y="0"/>
-          <a:chExt cx="0" cy="0"/>
-        </a:xfrm>
-      </p:grpSpPr>
-      <p:sp>
-        <p:nvSpPr>
-          <p:cNvPr id="223" name="Google Shape;223;p28"/>
-          <p:cNvSpPr txBox="1"/>
-          <p:nvPr>
-            <p:ph type="title"/>
-          </p:nvPr>
-        </p:nvSpPr>
-        <p:spPr>
-          <a:xfrm>
-            <a:off x="1297500" y="393750"/>
-            <a:ext cx="7038900" cy="914100"/>
-          </a:xfrm>
-          <a:prstGeom prst="rect">
-            <a:avLst/>
-          </a:prstGeom>
-        </p:spPr>
-        <p:txBody>
-          <a:bodyPr anchorCtr="0" anchor="t" bIns="91425" lIns="91425" spcFirstLastPara="1" rIns="91425" wrap="square" tIns="91425">
-            <a:normAutofit/>
-          </a:bodyPr>
-          <a:lstStyle/>
-          <a:p>
-            <a:pPr indent="0" lvl="0" marL="0" rtl="0" algn="l">
-              <a:spcBef>
-                <a:spcPts val="0"/>
-              </a:spcBef>
-              <a:spcAft>
-                <a:spcPts val="0"/>
-              </a:spcAft>
-              <a:buNone/>
-            </a:pPr>
-            <a:r>
-              <a:rPr lang="en"/>
-              <a:t>Observer Pattern</a:t>
-            </a:r>
-            <a:endParaRPr/>
-          </a:p>
-        </p:txBody>
-      </p:sp>
-      <p:sp>
-        <p:nvSpPr>
-          <p:cNvPr id="224" name="Google Shape;224;p28"/>
+          <p:cNvPr id="220" name="Google Shape;220;p26"/>
           <p:cNvSpPr txBox="1"/>
           <p:nvPr>
             <p:ph idx="1" type="body"/>
@@ -12040,7 +11729,7 @@
       </p:sp>
       <p:pic>
         <p:nvPicPr>
-          <p:cNvPr id="225" name="Google Shape;225;p28"/>
+          <p:cNvPr id="221" name="Google Shape;221;p26"/>
           <p:cNvPicPr preferRelativeResize="0"/>
           <p:nvPr/>
         </p:nvPicPr>
@@ -12074,12 +11763,12 @@
 </p:sld>
 </file>
 
-<file path=ppt/slides/slide17.xml><?xml version="1.0" encoding="utf-8"?>
+<file path=ppt/slides/slide15.xml><?xml version="1.0" encoding="utf-8"?>
 <p:sld xmlns:a="http://schemas.openxmlformats.org/drawingml/2006/main" xmlns:r="http://schemas.openxmlformats.org/officeDocument/2006/relationships" xmlns:mc="http://schemas.openxmlformats.org/markup-compatibility/2006" xmlns:mv="urn:schemas-microsoft-com:mac:vml" xmlns:p="http://schemas.openxmlformats.org/presentationml/2006/main" xmlns:c="http://schemas.openxmlformats.org/drawingml/2006/chart" xmlns:dgm="http://schemas.openxmlformats.org/drawingml/2006/diagram" xmlns:o="urn:schemas-microsoft-com:office:office" xmlns:v="urn:schemas-microsoft-com:vml" xmlns:pvml="urn:schemas-microsoft-com:office:powerpoint" xmlns:com="http://schemas.openxmlformats.org/drawingml/2006/compatibility" xmlns:p14="http://schemas.microsoft.com/office/powerpoint/2010/main" xmlns:p15="http://schemas.microsoft.com/office/powerpoint/2012/main" xmlns:ahyp="http://schemas.microsoft.com/office/drawing/2018/hyperlinkcolor">
   <p:cSld>
     <p:spTree>
       <p:nvGrpSpPr>
-        <p:cNvPr id="229" name="Shape 229"/>
+        <p:cNvPr id="225" name="Shape 225"/>
         <p:cNvGrpSpPr/>
         <p:nvPr/>
       </p:nvGrpSpPr>
@@ -12093,7 +11782,7 @@
       </p:grpSpPr>
       <p:sp>
         <p:nvSpPr>
-          <p:cNvPr id="230" name="Google Shape;230;p29"/>
+          <p:cNvPr id="226" name="Google Shape;226;p27"/>
           <p:cNvSpPr txBox="1"/>
           <p:nvPr>
             <p:ph type="title"/>
@@ -12124,16 +11813,16 @@
               <a:buNone/>
             </a:pPr>
             <a:r>
-              <a:rPr lang="en"/>
+              <a:rPr b="1" lang="en"/>
               <a:t>Template Pattern</a:t>
             </a:r>
-            <a:endParaRPr/>
+            <a:endParaRPr b="1"/>
           </a:p>
         </p:txBody>
       </p:sp>
       <p:sp>
         <p:nvSpPr>
-          <p:cNvPr id="231" name="Google Shape;231;p29"/>
+          <p:cNvPr id="227" name="Google Shape;227;p27"/>
           <p:cNvSpPr txBox="1"/>
           <p:nvPr>
             <p:ph idx="1" type="body"/>
@@ -12278,12 +11967,12 @@
 </p:sld>
 </file>
 
-<file path=ppt/slides/slide18.xml><?xml version="1.0" encoding="utf-8"?>
+<file path=ppt/slides/slide16.xml><?xml version="1.0" encoding="utf-8"?>
 <p:sld xmlns:a="http://schemas.openxmlformats.org/drawingml/2006/main" xmlns:r="http://schemas.openxmlformats.org/officeDocument/2006/relationships" xmlns:mc="http://schemas.openxmlformats.org/markup-compatibility/2006" xmlns:mv="urn:schemas-microsoft-com:mac:vml" xmlns:p="http://schemas.openxmlformats.org/presentationml/2006/main" xmlns:c="http://schemas.openxmlformats.org/drawingml/2006/chart" xmlns:dgm="http://schemas.openxmlformats.org/drawingml/2006/diagram" xmlns:o="urn:schemas-microsoft-com:office:office" xmlns:v="urn:schemas-microsoft-com:vml" xmlns:pvml="urn:schemas-microsoft-com:office:powerpoint" xmlns:com="http://schemas.openxmlformats.org/drawingml/2006/compatibility" xmlns:p14="http://schemas.microsoft.com/office/powerpoint/2010/main" xmlns:p15="http://schemas.microsoft.com/office/powerpoint/2012/main" xmlns:ahyp="http://schemas.microsoft.com/office/drawing/2018/hyperlinkcolor">
   <p:cSld>
     <p:spTree>
       <p:nvGrpSpPr>
-        <p:cNvPr id="235" name="Shape 235"/>
+        <p:cNvPr id="231" name="Shape 231"/>
         <p:cNvGrpSpPr/>
         <p:nvPr/>
       </p:nvGrpSpPr>
@@ -12297,7 +11986,7 @@
       </p:grpSpPr>
       <p:sp>
         <p:nvSpPr>
-          <p:cNvPr id="236" name="Google Shape;236;p30"/>
+          <p:cNvPr id="232" name="Google Shape;232;p28"/>
           <p:cNvSpPr txBox="1"/>
           <p:nvPr>
             <p:ph type="title"/>
@@ -12328,16 +12017,16 @@
               <a:buNone/>
             </a:pPr>
             <a:r>
-              <a:rPr lang="en"/>
+              <a:rPr b="1" lang="en"/>
               <a:t>Command Pattern</a:t>
             </a:r>
-            <a:endParaRPr/>
+            <a:endParaRPr b="1"/>
           </a:p>
         </p:txBody>
       </p:sp>
       <p:sp>
         <p:nvSpPr>
-          <p:cNvPr id="237" name="Google Shape;237;p30"/>
+          <p:cNvPr id="233" name="Google Shape;233;p28"/>
           <p:cNvSpPr txBox="1"/>
           <p:nvPr>
             <p:ph idx="1" type="body"/>
@@ -12535,7 +12224,7 @@
             </a:pPr>
             <a:r>
               <a:rPr b="1" lang="en" sz="6000"/>
-              <a:t>CREATIONAL</a:t>
+              <a:t>DESIGN</a:t>
             </a:r>
             <a:endParaRPr b="1" sz="6000"/>
           </a:p>
@@ -12557,6 +12246,150 @@
           </a:p>
         </p:txBody>
       </p:sp>
+      <p:sp>
+        <p:nvSpPr>
+          <p:cNvPr id="142" name="Google Shape;142;p14"/>
+          <p:cNvSpPr txBox="1"/>
+          <p:nvPr/>
+        </p:nvSpPr>
+        <p:spPr>
+          <a:xfrm>
+            <a:off x="3388525" y="898750"/>
+            <a:ext cx="5034300" cy="461700"/>
+          </a:xfrm>
+          <a:prstGeom prst="rect">
+            <a:avLst/>
+          </a:prstGeom>
+          <a:noFill/>
+          <a:ln>
+            <a:noFill/>
+          </a:ln>
+        </p:spPr>
+        <p:txBody>
+          <a:bodyPr anchorCtr="0" anchor="t" bIns="91425" lIns="91425" spcFirstLastPara="1" rIns="91425" wrap="square" tIns="91425">
+            <a:spAutoFit/>
+          </a:bodyPr>
+          <a:lstStyle/>
+          <a:p>
+            <a:pPr indent="0" lvl="0" marL="0" rtl="0" algn="ctr">
+              <a:spcBef>
+                <a:spcPts val="0"/>
+              </a:spcBef>
+              <a:spcAft>
+                <a:spcPts val="0"/>
+              </a:spcAft>
+              <a:buNone/>
+            </a:pPr>
+            <a:r>
+              <a:rPr b="1" lang="en" sz="1800">
+                <a:solidFill>
+                  <a:schemeClr val="lt2"/>
+                </a:solidFill>
+                <a:latin typeface="Montserrat"/>
+                <a:ea typeface="Montserrat"/>
+                <a:cs typeface="Montserrat"/>
+                <a:sym typeface="Montserrat"/>
+              </a:rPr>
+              <a:t>What We Will Discuss:</a:t>
+            </a:r>
+            <a:endParaRPr b="1" sz="1800">
+              <a:solidFill>
+                <a:schemeClr val="lt2"/>
+              </a:solidFill>
+              <a:latin typeface="Montserrat"/>
+              <a:ea typeface="Montserrat"/>
+              <a:cs typeface="Montserrat"/>
+              <a:sym typeface="Montserrat"/>
+            </a:endParaRPr>
+          </a:p>
+        </p:txBody>
+      </p:sp>
+      <p:sp>
+        <p:nvSpPr>
+          <p:cNvPr id="143" name="Google Shape;143;p14"/>
+          <p:cNvSpPr txBox="1"/>
+          <p:nvPr/>
+        </p:nvSpPr>
+        <p:spPr>
+          <a:xfrm>
+            <a:off x="3388525" y="3261575"/>
+            <a:ext cx="5034300" cy="615600"/>
+          </a:xfrm>
+          <a:prstGeom prst="rect">
+            <a:avLst/>
+          </a:prstGeom>
+          <a:noFill/>
+          <a:ln>
+            <a:noFill/>
+          </a:ln>
+        </p:spPr>
+        <p:txBody>
+          <a:bodyPr anchorCtr="0" anchor="t" bIns="91425" lIns="91425" spcFirstLastPara="1" rIns="91425" wrap="square" tIns="91425">
+            <a:spAutoFit/>
+          </a:bodyPr>
+          <a:lstStyle/>
+          <a:p>
+            <a:pPr indent="0" lvl="0" marL="0" rtl="0" algn="ctr">
+              <a:spcBef>
+                <a:spcPts val="0"/>
+              </a:spcBef>
+              <a:spcAft>
+                <a:spcPts val="0"/>
+              </a:spcAft>
+              <a:buNone/>
+            </a:pPr>
+            <a:r>
+              <a:rPr b="1" lang="en">
+                <a:solidFill>
+                  <a:schemeClr val="lt2"/>
+                </a:solidFill>
+                <a:latin typeface="Montserrat"/>
+                <a:ea typeface="Montserrat"/>
+                <a:cs typeface="Montserrat"/>
+                <a:sym typeface="Montserrat"/>
+              </a:rPr>
+              <a:t>which showcase the best practices used by experienced object-oriented software developers.</a:t>
+            </a:r>
+            <a:endParaRPr b="1">
+              <a:solidFill>
+                <a:schemeClr val="lt2"/>
+              </a:solidFill>
+              <a:latin typeface="Montserrat"/>
+              <a:ea typeface="Montserrat"/>
+              <a:cs typeface="Montserrat"/>
+              <a:sym typeface="Montserrat"/>
+            </a:endParaRPr>
+          </a:p>
+        </p:txBody>
+      </p:sp>
+      <p:pic>
+        <p:nvPicPr>
+          <p:cNvPr id="144" name="Google Shape;144;p14"/>
+          <p:cNvPicPr preferRelativeResize="0"/>
+          <p:nvPr/>
+        </p:nvPicPr>
+        <p:blipFill>
+          <a:blip r:embed="rId3">
+            <a:alphaModFix/>
+          </a:blip>
+          <a:stretch>
+            <a:fillRect/>
+          </a:stretch>
+        </p:blipFill>
+        <p:spPr>
+          <a:xfrm rot="-5400000">
+            <a:off x="5554387" y="4158923"/>
+            <a:ext cx="793277" cy="793277"/>
+          </a:xfrm>
+          <a:prstGeom prst="rect">
+            <a:avLst/>
+          </a:prstGeom>
+          <a:noFill/>
+          <a:ln>
+            <a:noFill/>
+          </a:ln>
+        </p:spPr>
+      </p:pic>
     </p:spTree>
   </p:cSld>
   <p:clrMapOvr>
@@ -12570,7 +12403,7 @@
   <p:cSld>
     <p:spTree>
       <p:nvGrpSpPr>
-        <p:cNvPr id="145" name="Shape 145"/>
+        <p:cNvPr id="148" name="Shape 148"/>
         <p:cNvGrpSpPr/>
         <p:nvPr/>
       </p:nvGrpSpPr>
@@ -12584,7 +12417,234 @@
       </p:grpSpPr>
       <p:sp>
         <p:nvSpPr>
-          <p:cNvPr id="146" name="Google Shape;146;p15"/>
+          <p:cNvPr id="149" name="Google Shape;149;p15"/>
+          <p:cNvSpPr txBox="1"/>
+          <p:nvPr>
+            <p:ph type="ctrTitle"/>
+          </p:nvPr>
+        </p:nvSpPr>
+        <p:spPr>
+          <a:xfrm>
+            <a:off x="2783300" y="937150"/>
+            <a:ext cx="6279000" cy="2643600"/>
+          </a:xfrm>
+          <a:prstGeom prst="rect">
+            <a:avLst/>
+          </a:prstGeom>
+        </p:spPr>
+        <p:txBody>
+          <a:bodyPr anchorCtr="0" anchor="t" bIns="91425" lIns="91425" spcFirstLastPara="1" rIns="91425" wrap="square" tIns="91425">
+            <a:normAutofit/>
+          </a:bodyPr>
+          <a:lstStyle/>
+          <a:p>
+            <a:pPr indent="0" lvl="0" marL="0" rtl="0" algn="ctr">
+              <a:spcBef>
+                <a:spcPts val="0"/>
+              </a:spcBef>
+              <a:spcAft>
+                <a:spcPts val="0"/>
+              </a:spcAft>
+              <a:buNone/>
+            </a:pPr>
+            <a:r>
+              <a:rPr b="1" lang="en" sz="6000"/>
+              <a:t>CREATIONAL</a:t>
+            </a:r>
+            <a:endParaRPr b="1" sz="6000"/>
+          </a:p>
+          <a:p>
+            <a:pPr indent="0" lvl="0" marL="0" rtl="0" algn="ctr">
+              <a:spcBef>
+                <a:spcPts val="0"/>
+              </a:spcBef>
+              <a:spcAft>
+                <a:spcPts val="0"/>
+              </a:spcAft>
+              <a:buNone/>
+            </a:pPr>
+            <a:r>
+              <a:rPr b="1" lang="en" sz="6000"/>
+              <a:t>PATTERNS</a:t>
+            </a:r>
+            <a:endParaRPr b="1" sz="6000"/>
+          </a:p>
+        </p:txBody>
+      </p:sp>
+      <p:sp>
+        <p:nvSpPr>
+          <p:cNvPr id="150" name="Google Shape;150;p15"/>
+          <p:cNvSpPr txBox="1"/>
+          <p:nvPr/>
+        </p:nvSpPr>
+        <p:spPr>
+          <a:xfrm>
+            <a:off x="4445000" y="3076200"/>
+            <a:ext cx="4141500" cy="1218900"/>
+          </a:xfrm>
+          <a:prstGeom prst="rect">
+            <a:avLst/>
+          </a:prstGeom>
+          <a:noFill/>
+          <a:ln>
+            <a:noFill/>
+          </a:ln>
+        </p:spPr>
+        <p:txBody>
+          <a:bodyPr anchorCtr="0" anchor="t" bIns="91425" lIns="91425" spcFirstLastPara="1" rIns="91425" wrap="square" tIns="91425">
+            <a:spAutoFit/>
+          </a:bodyPr>
+          <a:lstStyle/>
+          <a:p>
+            <a:pPr indent="-304800" lvl="0" marL="457200" rtl="0" algn="l">
+              <a:lnSpc>
+                <a:spcPct val="115000"/>
+              </a:lnSpc>
+              <a:spcBef>
+                <a:spcPts val="0"/>
+              </a:spcBef>
+              <a:spcAft>
+                <a:spcPts val="0"/>
+              </a:spcAft>
+              <a:buClr>
+                <a:schemeClr val="lt2"/>
+              </a:buClr>
+              <a:buSzPts val="1200"/>
+              <a:buFont typeface="Lato"/>
+              <a:buAutoNum type="arabicPeriod"/>
+            </a:pPr>
+            <a:r>
+              <a:rPr lang="en" sz="1200">
+                <a:solidFill>
+                  <a:schemeClr val="lt2"/>
+                </a:solidFill>
+                <a:latin typeface="Lato"/>
+                <a:ea typeface="Lato"/>
+                <a:cs typeface="Lato"/>
+                <a:sym typeface="Lato"/>
+              </a:rPr>
+              <a:t>They encapsulate knowledge about which 	concrete classes the system uses.</a:t>
+            </a:r>
+            <a:endParaRPr sz="1200">
+              <a:solidFill>
+                <a:schemeClr val="lt2"/>
+              </a:solidFill>
+              <a:latin typeface="Lato"/>
+              <a:ea typeface="Lato"/>
+              <a:cs typeface="Lato"/>
+              <a:sym typeface="Lato"/>
+            </a:endParaRPr>
+          </a:p>
+          <a:p>
+            <a:pPr indent="-304800" lvl="0" marL="457200" rtl="0" algn="l">
+              <a:lnSpc>
+                <a:spcPct val="115000"/>
+              </a:lnSpc>
+              <a:spcBef>
+                <a:spcPts val="0"/>
+              </a:spcBef>
+              <a:spcAft>
+                <a:spcPts val="0"/>
+              </a:spcAft>
+              <a:buClr>
+                <a:schemeClr val="lt2"/>
+              </a:buClr>
+              <a:buSzPts val="1200"/>
+              <a:buFont typeface="Lato"/>
+              <a:buAutoNum type="arabicPeriod"/>
+            </a:pPr>
+            <a:r>
+              <a:rPr lang="en" sz="1200">
+                <a:solidFill>
+                  <a:schemeClr val="lt2"/>
+                </a:solidFill>
+                <a:latin typeface="Lato"/>
+                <a:ea typeface="Lato"/>
+                <a:cs typeface="Lato"/>
+                <a:sym typeface="Lato"/>
+              </a:rPr>
+              <a:t>Hides how instances of classes are created	  and put together.</a:t>
+            </a:r>
+            <a:endParaRPr sz="1200">
+              <a:solidFill>
+                <a:schemeClr val="lt2"/>
+              </a:solidFill>
+              <a:latin typeface="Lato"/>
+              <a:ea typeface="Lato"/>
+              <a:cs typeface="Lato"/>
+              <a:sym typeface="Lato"/>
+            </a:endParaRPr>
+          </a:p>
+          <a:p>
+            <a:pPr indent="-304800" lvl="0" marL="457200" rtl="0" algn="l">
+              <a:lnSpc>
+                <a:spcPct val="115000"/>
+              </a:lnSpc>
+              <a:spcBef>
+                <a:spcPts val="0"/>
+              </a:spcBef>
+              <a:spcAft>
+                <a:spcPts val="0"/>
+              </a:spcAft>
+              <a:buClr>
+                <a:schemeClr val="lt2"/>
+              </a:buClr>
+              <a:buSzPts val="1200"/>
+              <a:buFont typeface="Lato"/>
+              <a:buAutoNum type="arabicPeriod"/>
+            </a:pPr>
+            <a:r>
+              <a:rPr lang="en" sz="1200">
+                <a:solidFill>
+                  <a:schemeClr val="lt2"/>
+                </a:solidFill>
+                <a:latin typeface="Lato"/>
+                <a:ea typeface="Lato"/>
+                <a:cs typeface="Lato"/>
+                <a:sym typeface="Lato"/>
+              </a:rPr>
+              <a:t>Eager vs. Lazy Initialization. </a:t>
+            </a:r>
+            <a:endParaRPr sz="1300">
+              <a:solidFill>
+                <a:schemeClr val="lt2"/>
+              </a:solidFill>
+              <a:latin typeface="Lato"/>
+              <a:ea typeface="Lato"/>
+              <a:cs typeface="Lato"/>
+              <a:sym typeface="Lato"/>
+            </a:endParaRPr>
+          </a:p>
+        </p:txBody>
+      </p:sp>
+    </p:spTree>
+  </p:cSld>
+  <p:clrMapOvr>
+    <a:masterClrMapping/>
+  </p:clrMapOvr>
+</p:sld>
+</file>
+
+<file path=ppt/slides/slide4.xml><?xml version="1.0" encoding="utf-8"?>
+<p:sld xmlns:a="http://schemas.openxmlformats.org/drawingml/2006/main" xmlns:r="http://schemas.openxmlformats.org/officeDocument/2006/relationships" xmlns:mc="http://schemas.openxmlformats.org/markup-compatibility/2006" xmlns:mv="urn:schemas-microsoft-com:mac:vml" xmlns:p="http://schemas.openxmlformats.org/presentationml/2006/main" xmlns:c="http://schemas.openxmlformats.org/drawingml/2006/chart" xmlns:dgm="http://schemas.openxmlformats.org/drawingml/2006/diagram" xmlns:o="urn:schemas-microsoft-com:office:office" xmlns:v="urn:schemas-microsoft-com:vml" xmlns:pvml="urn:schemas-microsoft-com:office:powerpoint" xmlns:com="http://schemas.openxmlformats.org/drawingml/2006/compatibility" xmlns:p14="http://schemas.microsoft.com/office/powerpoint/2010/main" xmlns:p15="http://schemas.microsoft.com/office/powerpoint/2012/main" xmlns:ahyp="http://schemas.microsoft.com/office/drawing/2018/hyperlinkcolor">
+  <p:cSld>
+    <p:spTree>
+      <p:nvGrpSpPr>
+        <p:cNvPr id="154" name="Shape 154"/>
+        <p:cNvGrpSpPr/>
+        <p:nvPr/>
+      </p:nvGrpSpPr>
+      <p:grpSpPr>
+        <a:xfrm>
+          <a:off x="0" y="0"/>
+          <a:ext cx="0" cy="0"/>
+          <a:chOff x="0" y="0"/>
+          <a:chExt cx="0" cy="0"/>
+        </a:xfrm>
+      </p:grpSpPr>
+      <p:sp>
+        <p:nvSpPr>
+          <p:cNvPr id="155" name="Google Shape;155;p16"/>
           <p:cNvSpPr txBox="1"/>
           <p:nvPr>
             <p:ph type="title"/>
@@ -12615,16 +12675,16 @@
               <a:buNone/>
             </a:pPr>
             <a:r>
-              <a:rPr lang="en"/>
-              <a:t>Creational Patterns cont…</a:t>
+              <a:rPr b="1" lang="en"/>
+              <a:t>Singleton Pattern</a:t>
             </a:r>
-            <a:endParaRPr/>
+            <a:endParaRPr b="1"/>
           </a:p>
         </p:txBody>
       </p:sp>
       <p:sp>
         <p:nvSpPr>
-          <p:cNvPr id="147" name="Google Shape;147;p15"/>
+          <p:cNvPr id="156" name="Google Shape;156;p16"/>
           <p:cNvSpPr txBox="1"/>
           <p:nvPr>
             <p:ph idx="1" type="body"/>
@@ -12632,7 +12692,7 @@
         </p:nvSpPr>
         <p:spPr>
           <a:xfrm>
-            <a:off x="1297500" y="1567550"/>
+            <a:off x="1261075" y="1658625"/>
             <a:ext cx="7038900" cy="2911200"/>
           </a:xfrm>
           <a:prstGeom prst="rect">
@@ -12645,55 +12705,175 @@
           </a:bodyPr>
           <a:lstStyle/>
           <a:p>
-            <a:pPr indent="-311150" lvl="0" marL="457200" rtl="0" algn="l">
-              <a:spcBef>
-                <a:spcPts val="0"/>
-              </a:spcBef>
-              <a:spcAft>
-                <a:spcPts val="0"/>
-              </a:spcAft>
-              <a:buSzPts val="1300"/>
-              <a:buAutoNum type="arabicPeriod"/>
+            <a:pPr indent="0" lvl="0" marL="0" rtl="0" algn="l">
+              <a:spcBef>
+                <a:spcPts val="0"/>
+              </a:spcBef>
+              <a:spcAft>
+                <a:spcPts val="0"/>
+              </a:spcAft>
+              <a:buNone/>
             </a:pPr>
             <a:r>
               <a:rPr lang="en"/>
-              <a:t>They encapsulate knowledge about which concrete classes the system uses.</a:t>
+              <a:t>Problem - Ensure that a class only has one instance and provide a global access point to it.</a:t>
             </a:r>
             <a:endParaRPr/>
           </a:p>
           <a:p>
-            <a:pPr indent="-311150" lvl="0" marL="457200" rtl="0" algn="l">
-              <a:spcBef>
-                <a:spcPts val="0"/>
-              </a:spcBef>
-              <a:spcAft>
-                <a:spcPts val="0"/>
-              </a:spcAft>
-              <a:buSzPts val="1300"/>
-              <a:buAutoNum type="arabicPeriod"/>
+            <a:pPr indent="0" lvl="0" marL="0" rtl="0" algn="l">
+              <a:spcBef>
+                <a:spcPts val="1200"/>
+              </a:spcBef>
+              <a:spcAft>
+                <a:spcPts val="0"/>
+              </a:spcAft>
+              <a:buNone/>
             </a:pPr>
             <a:r>
-              <a:rPr lang="en"/>
-              <a:t>Hides how instances of classes are created and put together.</a:t>
+              <a:t/>
             </a:r>
             <a:endParaRPr/>
           </a:p>
           <a:p>
-            <a:pPr indent="-311150" lvl="0" marL="457200" rtl="0" algn="l">
-              <a:spcBef>
-                <a:spcPts val="0"/>
-              </a:spcBef>
-              <a:spcAft>
-                <a:spcPts val="0"/>
-              </a:spcAft>
-              <a:buSzPts val="1300"/>
-              <a:buAutoNum type="arabicPeriod"/>
+            <a:pPr indent="0" lvl="0" marL="0" rtl="0" algn="l">
+              <a:spcBef>
+                <a:spcPts val="1200"/>
+              </a:spcBef>
+              <a:spcAft>
+                <a:spcPts val="0"/>
+              </a:spcAft>
+              <a:buNone/>
             </a:pPr>
             <a:r>
               <a:rPr lang="en"/>
-              <a:t>Eager vs. Lazy Initialization. </a:t>
+              <a:t>Example: ProfileManager profileManager = ProfileManager.getInstance();   //Singleton</a:t>
             </a:r>
             <a:endParaRPr/>
+          </a:p>
+          <a:p>
+            <a:pPr indent="0" lvl="0" marL="0" rtl="0" algn="l">
+              <a:spcBef>
+                <a:spcPts val="1200"/>
+              </a:spcBef>
+              <a:spcAft>
+                <a:spcPts val="0"/>
+              </a:spcAft>
+              <a:buNone/>
+            </a:pPr>
+            <a:r>
+              <a:rPr lang="en"/>
+              <a:t>Singleton allows you to design a class as if its use will be non-static (implementing interfaces, extending classes) but accessing it gives the appearance of static operations. </a:t>
+            </a:r>
+            <a:endParaRPr/>
+          </a:p>
+          <a:p>
+            <a:pPr indent="0" lvl="0" marL="0" rtl="0" algn="l">
+              <a:spcBef>
+                <a:spcPts val="1200"/>
+              </a:spcBef>
+              <a:spcAft>
+                <a:spcPts val="0"/>
+              </a:spcAft>
+              <a:buNone/>
+            </a:pPr>
+            <a:r>
+              <a:t/>
+            </a:r>
+            <a:endParaRPr/>
+          </a:p>
+          <a:p>
+            <a:pPr indent="0" lvl="0" marL="0" rtl="0" algn="l">
+              <a:spcBef>
+                <a:spcPts val="1200"/>
+              </a:spcBef>
+              <a:spcAft>
+                <a:spcPts val="0"/>
+              </a:spcAft>
+              <a:buNone/>
+            </a:pPr>
+            <a:r>
+              <a:rPr lang="en"/>
+              <a:t>Solution: the instance of Singleton Class is created at the time of class loading.</a:t>
+            </a:r>
+            <a:endParaRPr/>
+          </a:p>
+          <a:p>
+            <a:pPr indent="0" lvl="0" marL="0" rtl="0" algn="l">
+              <a:spcBef>
+                <a:spcPts val="1200"/>
+              </a:spcBef>
+              <a:spcAft>
+                <a:spcPts val="1200"/>
+              </a:spcAft>
+              <a:buNone/>
+            </a:pPr>
+            <a:r>
+              <a:rPr lang="en"/>
+              <a:t>Consequence: Instance is created even if client application might not be using it.</a:t>
+            </a:r>
+            <a:endParaRPr/>
+          </a:p>
+        </p:txBody>
+      </p:sp>
+      <p:sp>
+        <p:nvSpPr>
+          <p:cNvPr id="157" name="Google Shape;157;p16"/>
+          <p:cNvSpPr txBox="1"/>
+          <p:nvPr/>
+        </p:nvSpPr>
+        <p:spPr>
+          <a:xfrm>
+            <a:off x="1261075" y="1307850"/>
+            <a:ext cx="6849900" cy="384900"/>
+          </a:xfrm>
+          <a:prstGeom prst="rect">
+            <a:avLst/>
+          </a:prstGeom>
+          <a:noFill/>
+          <a:ln>
+            <a:noFill/>
+          </a:ln>
+        </p:spPr>
+        <p:txBody>
+          <a:bodyPr anchorCtr="0" anchor="t" bIns="91425" lIns="91425" spcFirstLastPara="1" rIns="91425" wrap="square" tIns="91425">
+            <a:spAutoFit/>
+          </a:bodyPr>
+          <a:lstStyle/>
+          <a:p>
+            <a:pPr indent="0" lvl="0" marL="0" rtl="0" algn="l">
+              <a:lnSpc>
+                <a:spcPct val="115000"/>
+              </a:lnSpc>
+              <a:spcBef>
+                <a:spcPts val="0"/>
+              </a:spcBef>
+              <a:spcAft>
+                <a:spcPts val="1200"/>
+              </a:spcAft>
+              <a:buNone/>
+            </a:pPr>
+            <a:r>
+              <a:rPr lang="en" sz="1300">
+                <a:solidFill>
+                  <a:schemeClr val="lt2"/>
+                </a:solidFill>
+                <a:latin typeface="Lato"/>
+                <a:ea typeface="Lato"/>
+                <a:cs typeface="Lato"/>
+                <a:sym typeface="Lato"/>
+              </a:rPr>
+              <a:t>One of the most simple design patterns in Java. One of the best ways to create an object!</a:t>
+            </a:r>
+            <a:endParaRPr>
+              <a:solidFill>
+                <a:schemeClr val="lt2"/>
+              </a:solidFill>
+              <a:latin typeface="Lato"/>
+              <a:ea typeface="Lato"/>
+              <a:cs typeface="Lato"/>
+              <a:sym typeface="Lato"/>
+            </a:endParaRPr>
           </a:p>
         </p:txBody>
       </p:sp>
@@ -12705,12 +12885,12 @@
 </p:sld>
 </file>
 
-<file path=ppt/slides/slide4.xml><?xml version="1.0" encoding="utf-8"?>
+<file path=ppt/slides/slide5.xml><?xml version="1.0" encoding="utf-8"?>
 <p:sld xmlns:a="http://schemas.openxmlformats.org/drawingml/2006/main" xmlns:r="http://schemas.openxmlformats.org/officeDocument/2006/relationships" xmlns:mc="http://schemas.openxmlformats.org/markup-compatibility/2006" xmlns:mv="urn:schemas-microsoft-com:mac:vml" xmlns:p="http://schemas.openxmlformats.org/presentationml/2006/main" xmlns:c="http://schemas.openxmlformats.org/drawingml/2006/chart" xmlns:dgm="http://schemas.openxmlformats.org/drawingml/2006/diagram" xmlns:o="urn:schemas-microsoft-com:office:office" xmlns:v="urn:schemas-microsoft-com:vml" xmlns:pvml="urn:schemas-microsoft-com:office:powerpoint" xmlns:com="http://schemas.openxmlformats.org/drawingml/2006/compatibility" xmlns:p14="http://schemas.microsoft.com/office/powerpoint/2010/main" xmlns:p15="http://schemas.microsoft.com/office/powerpoint/2012/main" xmlns:ahyp="http://schemas.microsoft.com/office/drawing/2018/hyperlinkcolor">
   <p:cSld>
     <p:spTree>
       <p:nvGrpSpPr>
-        <p:cNvPr id="151" name="Shape 151"/>
+        <p:cNvPr id="161" name="Shape 161"/>
         <p:cNvGrpSpPr/>
         <p:nvPr/>
       </p:nvGrpSpPr>
@@ -12724,7 +12904,7 @@
       </p:grpSpPr>
       <p:sp>
         <p:nvSpPr>
-          <p:cNvPr id="152" name="Google Shape;152;p16"/>
+          <p:cNvPr id="162" name="Google Shape;162;p17"/>
           <p:cNvSpPr txBox="1"/>
           <p:nvPr>
             <p:ph type="title"/>
@@ -12755,200 +12935,16 @@
               <a:buNone/>
             </a:pPr>
             <a:r>
-              <a:rPr lang="en"/>
-              <a:t>Singleton Pattern</a:t>
+              <a:rPr b="1" lang="en"/>
+              <a:t>Factory Pattern</a:t>
             </a:r>
-            <a:endParaRPr/>
+            <a:endParaRPr b="1"/>
           </a:p>
         </p:txBody>
       </p:sp>
       <p:sp>
         <p:nvSpPr>
-          <p:cNvPr id="153" name="Google Shape;153;p16"/>
-          <p:cNvSpPr txBox="1"/>
-          <p:nvPr>
-            <p:ph idx="1" type="body"/>
-          </p:nvPr>
-        </p:nvSpPr>
-        <p:spPr>
-          <a:xfrm>
-            <a:off x="1297500" y="1567550"/>
-            <a:ext cx="7038900" cy="2911200"/>
-          </a:xfrm>
-          <a:prstGeom prst="rect">
-            <a:avLst/>
-          </a:prstGeom>
-        </p:spPr>
-        <p:txBody>
-          <a:bodyPr anchorCtr="0" anchor="t" bIns="91425" lIns="91425" spcFirstLastPara="1" rIns="91425" wrap="square" tIns="91425">
-            <a:normAutofit/>
-          </a:bodyPr>
-          <a:lstStyle/>
-          <a:p>
-            <a:pPr indent="0" lvl="0" marL="0" rtl="0" algn="l">
-              <a:spcBef>
-                <a:spcPts val="0"/>
-              </a:spcBef>
-              <a:spcAft>
-                <a:spcPts val="0"/>
-              </a:spcAft>
-              <a:buNone/>
-            </a:pPr>
-            <a:r>
-              <a:rPr lang="en"/>
-              <a:t>Problem - Ensure that a class only has one instance and provide a global access point to it.</a:t>
-            </a:r>
-            <a:endParaRPr/>
-          </a:p>
-          <a:p>
-            <a:pPr indent="0" lvl="0" marL="0" rtl="0" algn="l">
-              <a:spcBef>
-                <a:spcPts val="1200"/>
-              </a:spcBef>
-              <a:spcAft>
-                <a:spcPts val="0"/>
-              </a:spcAft>
-              <a:buNone/>
-            </a:pPr>
-            <a:r>
-              <a:rPr lang="en"/>
-              <a:t>Example: ProfileManager profileManager = ProfileManager.getInstance();  //Singleton</a:t>
-            </a:r>
-            <a:endParaRPr/>
-          </a:p>
-          <a:p>
-            <a:pPr indent="0" lvl="0" marL="0" rtl="0" algn="l">
-              <a:spcBef>
-                <a:spcPts val="1200"/>
-              </a:spcBef>
-              <a:spcAft>
-                <a:spcPts val="0"/>
-              </a:spcAft>
-              <a:buNone/>
-            </a:pPr>
-            <a:r>
-              <a:rPr lang="en"/>
-              <a:t>Singleton allows you to design a class as if its use will be non-static (implementing interfaces, extending classes) but accessing it gives the appearance of static operations. </a:t>
-            </a:r>
-            <a:endParaRPr/>
-          </a:p>
-          <a:p>
-            <a:pPr indent="0" lvl="0" marL="0" rtl="0" algn="l">
-              <a:spcBef>
-                <a:spcPts val="1200"/>
-              </a:spcBef>
-              <a:spcAft>
-                <a:spcPts val="0"/>
-              </a:spcAft>
-              <a:buNone/>
-            </a:pPr>
-            <a:r>
-              <a:t/>
-            </a:r>
-            <a:endParaRPr/>
-          </a:p>
-          <a:p>
-            <a:pPr indent="0" lvl="0" marL="0" rtl="0" algn="l">
-              <a:spcBef>
-                <a:spcPts val="1200"/>
-              </a:spcBef>
-              <a:spcAft>
-                <a:spcPts val="0"/>
-              </a:spcAft>
-              <a:buNone/>
-            </a:pPr>
-            <a:r>
-              <a:rPr lang="en"/>
-              <a:t>Solution: the instance of Singleton Class is created at the time of class loading.</a:t>
-            </a:r>
-            <a:endParaRPr/>
-          </a:p>
-          <a:p>
-            <a:pPr indent="0" lvl="0" marL="0" rtl="0" algn="l">
-              <a:spcBef>
-                <a:spcPts val="1200"/>
-              </a:spcBef>
-              <a:spcAft>
-                <a:spcPts val="1200"/>
-              </a:spcAft>
-              <a:buNone/>
-            </a:pPr>
-            <a:r>
-              <a:rPr lang="en"/>
-              <a:t>Consequence: Instance is created even if client application might not be using it.</a:t>
-            </a:r>
-            <a:endParaRPr/>
-          </a:p>
-        </p:txBody>
-      </p:sp>
-    </p:spTree>
-  </p:cSld>
-  <p:clrMapOvr>
-    <a:masterClrMapping/>
-  </p:clrMapOvr>
-</p:sld>
-</file>
-
-<file path=ppt/slides/slide5.xml><?xml version="1.0" encoding="utf-8"?>
-<p:sld xmlns:a="http://schemas.openxmlformats.org/drawingml/2006/main" xmlns:r="http://schemas.openxmlformats.org/officeDocument/2006/relationships" xmlns:mc="http://schemas.openxmlformats.org/markup-compatibility/2006" xmlns:mv="urn:schemas-microsoft-com:mac:vml" xmlns:p="http://schemas.openxmlformats.org/presentationml/2006/main" xmlns:c="http://schemas.openxmlformats.org/drawingml/2006/chart" xmlns:dgm="http://schemas.openxmlformats.org/drawingml/2006/diagram" xmlns:o="urn:schemas-microsoft-com:office:office" xmlns:v="urn:schemas-microsoft-com:vml" xmlns:pvml="urn:schemas-microsoft-com:office:powerpoint" xmlns:com="http://schemas.openxmlformats.org/drawingml/2006/compatibility" xmlns:p14="http://schemas.microsoft.com/office/powerpoint/2010/main" xmlns:p15="http://schemas.microsoft.com/office/powerpoint/2012/main" xmlns:ahyp="http://schemas.microsoft.com/office/drawing/2018/hyperlinkcolor">
-  <p:cSld>
-    <p:spTree>
-      <p:nvGrpSpPr>
-        <p:cNvPr id="157" name="Shape 157"/>
-        <p:cNvGrpSpPr/>
-        <p:nvPr/>
-      </p:nvGrpSpPr>
-      <p:grpSpPr>
-        <a:xfrm>
-          <a:off x="0" y="0"/>
-          <a:ext cx="0" cy="0"/>
-          <a:chOff x="0" y="0"/>
-          <a:chExt cx="0" cy="0"/>
-        </a:xfrm>
-      </p:grpSpPr>
-      <p:sp>
-        <p:nvSpPr>
-          <p:cNvPr id="158" name="Google Shape;158;p17"/>
-          <p:cNvSpPr txBox="1"/>
-          <p:nvPr>
-            <p:ph type="title"/>
-          </p:nvPr>
-        </p:nvSpPr>
-        <p:spPr>
-          <a:xfrm>
-            <a:off x="1297500" y="393750"/>
-            <a:ext cx="7038900" cy="914100"/>
-          </a:xfrm>
-          <a:prstGeom prst="rect">
-            <a:avLst/>
-          </a:prstGeom>
-        </p:spPr>
-        <p:txBody>
-          <a:bodyPr anchorCtr="0" anchor="t" bIns="91425" lIns="91425" spcFirstLastPara="1" rIns="91425" wrap="square" tIns="91425">
-            <a:normAutofit/>
-          </a:bodyPr>
-          <a:lstStyle/>
-          <a:p>
-            <a:pPr indent="0" lvl="0" marL="0" rtl="0" algn="l">
-              <a:spcBef>
-                <a:spcPts val="0"/>
-              </a:spcBef>
-              <a:spcAft>
-                <a:spcPts val="0"/>
-              </a:spcAft>
-              <a:buNone/>
-            </a:pPr>
-            <a:r>
-              <a:rPr lang="en"/>
-              <a:t>Factory Pattern</a:t>
-            </a:r>
-            <a:endParaRPr/>
-          </a:p>
-        </p:txBody>
-      </p:sp>
-      <p:sp>
-        <p:nvSpPr>
-          <p:cNvPr id="159" name="Google Shape;159;p17"/>
+          <p:cNvPr id="163" name="Google Shape;163;p17"/>
           <p:cNvSpPr txBox="1"/>
           <p:nvPr>
             <p:ph idx="1" type="body"/>
@@ -13031,7 +13027,7 @@
   <p:cSld>
     <p:spTree>
       <p:nvGrpSpPr>
-        <p:cNvPr id="163" name="Shape 163"/>
+        <p:cNvPr id="167" name="Shape 167"/>
         <p:cNvGrpSpPr/>
         <p:nvPr/>
       </p:nvGrpSpPr>
@@ -13045,7 +13041,7 @@
       </p:grpSpPr>
       <p:sp>
         <p:nvSpPr>
-          <p:cNvPr id="164" name="Google Shape;164;p18"/>
+          <p:cNvPr id="168" name="Google Shape;168;p18"/>
           <p:cNvSpPr txBox="1"/>
           <p:nvPr>
             <p:ph type="title"/>
@@ -13076,8 +13072,96 @@
               <a:buNone/>
             </a:pPr>
             <a:r>
+              <a:rPr b="1" lang="en"/>
+              <a:t>Builder Pattern</a:t>
+            </a:r>
+            <a:endParaRPr b="1"/>
+          </a:p>
+        </p:txBody>
+      </p:sp>
+      <p:sp>
+        <p:nvSpPr>
+          <p:cNvPr id="169" name="Google Shape;169;p18"/>
+          <p:cNvSpPr txBox="1"/>
+          <p:nvPr>
+            <p:ph idx="1" type="body"/>
+          </p:nvPr>
+        </p:nvSpPr>
+        <p:spPr>
+          <a:xfrm>
+            <a:off x="1297500" y="1846875"/>
+            <a:ext cx="7038900" cy="2264400"/>
+          </a:xfrm>
+          <a:prstGeom prst="rect">
+            <a:avLst/>
+          </a:prstGeom>
+        </p:spPr>
+        <p:txBody>
+          <a:bodyPr anchorCtr="0" anchor="t" bIns="91425" lIns="91425" spcFirstLastPara="1" rIns="91425" wrap="square" tIns="91425">
+            <a:normAutofit/>
+          </a:bodyPr>
+          <a:lstStyle/>
+          <a:p>
+            <a:pPr indent="0" lvl="0" marL="0" rtl="0" algn="l">
+              <a:spcBef>
+                <a:spcPts val="0"/>
+              </a:spcBef>
+              <a:spcAft>
+                <a:spcPts val="0"/>
+              </a:spcAft>
+              <a:buNone/>
+            </a:pPr>
+            <a:r>
               <a:rPr lang="en"/>
-              <a:t>Builder Pattern</a:t>
+              <a:t>Problem: Separate the construction of a complex object from its representation so that the same construction process can create different representations.</a:t>
+            </a:r>
+            <a:endParaRPr/>
+          </a:p>
+          <a:p>
+            <a:pPr indent="0" lvl="0" marL="0" rtl="0" algn="l">
+              <a:spcBef>
+                <a:spcPts val="1200"/>
+              </a:spcBef>
+              <a:spcAft>
+                <a:spcPts val="0"/>
+              </a:spcAft>
+              <a:buNone/>
+            </a:pPr>
+            <a:r>
+              <a:rPr lang="en"/>
+              <a:t>Resolves issues with large construction involving a lot of attributes.</a:t>
+            </a:r>
+            <a:endParaRPr/>
+          </a:p>
+          <a:p>
+            <a:pPr indent="0" lvl="0" marL="0" rtl="0" algn="l">
+              <a:spcBef>
+                <a:spcPts val="1200"/>
+              </a:spcBef>
+              <a:spcAft>
+                <a:spcPts val="0"/>
+              </a:spcAft>
+              <a:buNone/>
+            </a:pPr>
+            <a:r>
+              <a:rPr lang="en"/>
+              <a:t>Example: Consider an application wherein a License can consist of many different fields, often having null values.</a:t>
+            </a:r>
+            <a:endParaRPr/>
+          </a:p>
+          <a:p>
+            <a:pPr indent="0" lvl="0" marL="0" rtl="0" algn="l">
+              <a:spcBef>
+                <a:spcPts val="1200"/>
+              </a:spcBef>
+              <a:spcAft>
+                <a:spcPts val="1200"/>
+              </a:spcAft>
+              <a:buNone/>
+            </a:pPr>
+            <a:r>
+              <a:rPr lang="en"/>
+              <a:t>Builder construction can be difficult to read and null values must be explicitly initialized.</a:t>
             </a:r>
             <a:endParaRPr/>
           </a:p>
@@ -13085,7 +13169,427 @@
       </p:sp>
       <p:sp>
         <p:nvSpPr>
-          <p:cNvPr id="165" name="Google Shape;165;p18"/>
+          <p:cNvPr id="170" name="Google Shape;170;p18"/>
+          <p:cNvSpPr txBox="1"/>
+          <p:nvPr>
+            <p:ph idx="1" type="body"/>
+          </p:nvPr>
+        </p:nvSpPr>
+        <p:spPr>
+          <a:xfrm>
+            <a:off x="1297500" y="1474275"/>
+            <a:ext cx="7038900" cy="520800"/>
+          </a:xfrm>
+          <a:prstGeom prst="rect">
+            <a:avLst/>
+          </a:prstGeom>
+        </p:spPr>
+        <p:txBody>
+          <a:bodyPr anchorCtr="0" anchor="t" bIns="91425" lIns="91425" spcFirstLastPara="1" rIns="91425" wrap="square" tIns="91425">
+            <a:normAutofit/>
+          </a:bodyPr>
+          <a:lstStyle/>
+          <a:p>
+            <a:pPr indent="0" lvl="0" marL="0" rtl="0" algn="l">
+              <a:spcBef>
+                <a:spcPts val="0"/>
+              </a:spcBef>
+              <a:spcAft>
+                <a:spcPts val="1200"/>
+              </a:spcAft>
+              <a:buNone/>
+            </a:pPr>
+            <a:r>
+              <a:rPr lang="en">
+                <a:solidFill>
+                  <a:schemeClr val="lt2"/>
+                </a:solidFill>
+              </a:rPr>
+              <a:t>B</a:t>
+            </a:r>
+            <a:r>
+              <a:rPr lang="en">
+                <a:solidFill>
+                  <a:schemeClr val="lt2"/>
+                </a:solidFill>
+              </a:rPr>
+              <a:t>uilds a complex object using simple objects and using a step by step approach.</a:t>
+            </a:r>
+            <a:endParaRPr>
+              <a:solidFill>
+                <a:schemeClr val="lt2"/>
+              </a:solidFill>
+            </a:endParaRPr>
+          </a:p>
+        </p:txBody>
+      </p:sp>
+    </p:spTree>
+  </p:cSld>
+  <p:clrMapOvr>
+    <a:masterClrMapping/>
+  </p:clrMapOvr>
+</p:sld>
+</file>
+
+<file path=ppt/slides/slide7.xml><?xml version="1.0" encoding="utf-8"?>
+<p:sld xmlns:a="http://schemas.openxmlformats.org/drawingml/2006/main" xmlns:r="http://schemas.openxmlformats.org/officeDocument/2006/relationships" xmlns:mc="http://schemas.openxmlformats.org/markup-compatibility/2006" xmlns:mv="urn:schemas-microsoft-com:mac:vml" xmlns:p="http://schemas.openxmlformats.org/presentationml/2006/main" xmlns:c="http://schemas.openxmlformats.org/drawingml/2006/chart" xmlns:dgm="http://schemas.openxmlformats.org/drawingml/2006/diagram" xmlns:o="urn:schemas-microsoft-com:office:office" xmlns:v="urn:schemas-microsoft-com:vml" xmlns:pvml="urn:schemas-microsoft-com:office:powerpoint" xmlns:com="http://schemas.openxmlformats.org/drawingml/2006/compatibility" xmlns:p14="http://schemas.microsoft.com/office/powerpoint/2010/main" xmlns:p15="http://schemas.microsoft.com/office/powerpoint/2012/main" xmlns:ahyp="http://schemas.microsoft.com/office/drawing/2018/hyperlinkcolor">
+  <p:cSld>
+    <p:spTree>
+      <p:nvGrpSpPr>
+        <p:cNvPr id="174" name="Shape 174"/>
+        <p:cNvGrpSpPr/>
+        <p:nvPr/>
+      </p:nvGrpSpPr>
+      <p:grpSpPr>
+        <a:xfrm>
+          <a:off x="0" y="0"/>
+          <a:ext cx="0" cy="0"/>
+          <a:chOff x="0" y="0"/>
+          <a:chExt cx="0" cy="0"/>
+        </a:xfrm>
+      </p:grpSpPr>
+      <p:sp>
+        <p:nvSpPr>
+          <p:cNvPr id="175" name="Google Shape;175;p19"/>
+          <p:cNvSpPr txBox="1"/>
+          <p:nvPr>
+            <p:ph type="ctrTitle"/>
+          </p:nvPr>
+        </p:nvSpPr>
+        <p:spPr>
+          <a:xfrm>
+            <a:off x="2817600" y="1013100"/>
+            <a:ext cx="6279000" cy="2643600"/>
+          </a:xfrm>
+          <a:prstGeom prst="rect">
+            <a:avLst/>
+          </a:prstGeom>
+        </p:spPr>
+        <p:txBody>
+          <a:bodyPr anchorCtr="0" anchor="t" bIns="91425" lIns="91425" spcFirstLastPara="1" rIns="91425" wrap="square" tIns="91425">
+            <a:normAutofit/>
+          </a:bodyPr>
+          <a:lstStyle/>
+          <a:p>
+            <a:pPr indent="0" lvl="0" marL="0" rtl="0" algn="ctr">
+              <a:spcBef>
+                <a:spcPts val="0"/>
+              </a:spcBef>
+              <a:spcAft>
+                <a:spcPts val="0"/>
+              </a:spcAft>
+              <a:buNone/>
+            </a:pPr>
+            <a:r>
+              <a:rPr b="1" lang="en" sz="6000"/>
+              <a:t>STRUCTURAL</a:t>
+            </a:r>
+            <a:endParaRPr b="1" sz="6000"/>
+          </a:p>
+          <a:p>
+            <a:pPr indent="0" lvl="0" marL="0" rtl="0" algn="ctr">
+              <a:spcBef>
+                <a:spcPts val="0"/>
+              </a:spcBef>
+              <a:spcAft>
+                <a:spcPts val="0"/>
+              </a:spcAft>
+              <a:buNone/>
+            </a:pPr>
+            <a:r>
+              <a:rPr b="1" lang="en" sz="6000"/>
+              <a:t>PATTERNS</a:t>
+            </a:r>
+            <a:endParaRPr b="1" sz="6000"/>
+          </a:p>
+        </p:txBody>
+      </p:sp>
+      <p:sp>
+        <p:nvSpPr>
+          <p:cNvPr id="176" name="Google Shape;176;p19"/>
+          <p:cNvSpPr txBox="1"/>
+          <p:nvPr/>
+        </p:nvSpPr>
+        <p:spPr>
+          <a:xfrm>
+            <a:off x="4979550" y="2933075"/>
+            <a:ext cx="3637500" cy="1919400"/>
+          </a:xfrm>
+          <a:prstGeom prst="rect">
+            <a:avLst/>
+          </a:prstGeom>
+          <a:noFill/>
+          <a:ln>
+            <a:noFill/>
+          </a:ln>
+        </p:spPr>
+        <p:txBody>
+          <a:bodyPr anchorCtr="0" anchor="t" bIns="91425" lIns="91425" spcFirstLastPara="1" rIns="91425" wrap="square" tIns="91425">
+            <a:spAutoFit/>
+          </a:bodyPr>
+          <a:lstStyle/>
+          <a:p>
+            <a:pPr indent="0" lvl="0" marL="0" rtl="0" algn="l">
+              <a:lnSpc>
+                <a:spcPct val="115000"/>
+              </a:lnSpc>
+              <a:spcBef>
+                <a:spcPts val="0"/>
+              </a:spcBef>
+              <a:spcAft>
+                <a:spcPts val="0"/>
+              </a:spcAft>
+              <a:buNone/>
+            </a:pPr>
+            <a:r>
+              <a:rPr lang="en" sz="1300">
+                <a:solidFill>
+                  <a:schemeClr val="lt1"/>
+                </a:solidFill>
+                <a:latin typeface="Lato"/>
+                <a:ea typeface="Lato"/>
+                <a:cs typeface="Lato"/>
+                <a:sym typeface="Lato"/>
+              </a:rPr>
+              <a:t>Eases design by identifying ways to realize relationships between entities while reducing code-redundancies.</a:t>
+            </a:r>
+            <a:endParaRPr sz="1300">
+              <a:solidFill>
+                <a:schemeClr val="lt1"/>
+              </a:solidFill>
+              <a:latin typeface="Lato"/>
+              <a:ea typeface="Lato"/>
+              <a:cs typeface="Lato"/>
+              <a:sym typeface="Lato"/>
+            </a:endParaRPr>
+          </a:p>
+          <a:p>
+            <a:pPr indent="-311150" lvl="0" marL="457200" rtl="0" algn="l">
+              <a:lnSpc>
+                <a:spcPct val="115000"/>
+              </a:lnSpc>
+              <a:spcBef>
+                <a:spcPts val="1200"/>
+              </a:spcBef>
+              <a:spcAft>
+                <a:spcPts val="0"/>
+              </a:spcAft>
+              <a:buClr>
+                <a:schemeClr val="lt1"/>
+              </a:buClr>
+              <a:buSzPts val="1300"/>
+              <a:buFont typeface="Lato"/>
+              <a:buChar char="●"/>
+            </a:pPr>
+            <a:r>
+              <a:rPr lang="en" sz="1300">
+                <a:solidFill>
+                  <a:schemeClr val="lt1"/>
+                </a:solidFill>
+                <a:latin typeface="Lato"/>
+                <a:ea typeface="Lato"/>
+                <a:cs typeface="Lato"/>
+                <a:sym typeface="Lato"/>
+              </a:rPr>
+              <a:t>Facade Pattern</a:t>
+            </a:r>
+            <a:endParaRPr sz="1300">
+              <a:solidFill>
+                <a:schemeClr val="lt1"/>
+              </a:solidFill>
+              <a:latin typeface="Lato"/>
+              <a:ea typeface="Lato"/>
+              <a:cs typeface="Lato"/>
+              <a:sym typeface="Lato"/>
+            </a:endParaRPr>
+          </a:p>
+          <a:p>
+            <a:pPr indent="-311150" lvl="0" marL="457200" rtl="0" algn="l">
+              <a:lnSpc>
+                <a:spcPct val="115000"/>
+              </a:lnSpc>
+              <a:spcBef>
+                <a:spcPts val="0"/>
+              </a:spcBef>
+              <a:spcAft>
+                <a:spcPts val="0"/>
+              </a:spcAft>
+              <a:buClr>
+                <a:schemeClr val="lt1"/>
+              </a:buClr>
+              <a:buSzPts val="1300"/>
+              <a:buFont typeface="Lato"/>
+              <a:buChar char="●"/>
+            </a:pPr>
+            <a:r>
+              <a:rPr lang="en" sz="1300">
+                <a:solidFill>
+                  <a:schemeClr val="lt1"/>
+                </a:solidFill>
+                <a:latin typeface="Lato"/>
+                <a:ea typeface="Lato"/>
+                <a:cs typeface="Lato"/>
+                <a:sym typeface="Lato"/>
+              </a:rPr>
+              <a:t>Decorator Pattern</a:t>
+            </a:r>
+            <a:endParaRPr sz="1300">
+              <a:solidFill>
+                <a:schemeClr val="lt1"/>
+              </a:solidFill>
+              <a:latin typeface="Lato"/>
+              <a:ea typeface="Lato"/>
+              <a:cs typeface="Lato"/>
+              <a:sym typeface="Lato"/>
+            </a:endParaRPr>
+          </a:p>
+          <a:p>
+            <a:pPr indent="-311150" lvl="0" marL="457200" rtl="0" algn="l">
+              <a:lnSpc>
+                <a:spcPct val="115000"/>
+              </a:lnSpc>
+              <a:spcBef>
+                <a:spcPts val="0"/>
+              </a:spcBef>
+              <a:spcAft>
+                <a:spcPts val="0"/>
+              </a:spcAft>
+              <a:buClr>
+                <a:schemeClr val="lt1"/>
+              </a:buClr>
+              <a:buSzPts val="1300"/>
+              <a:buFont typeface="Lato"/>
+              <a:buChar char="●"/>
+            </a:pPr>
+            <a:r>
+              <a:rPr lang="en" sz="1300">
+                <a:solidFill>
+                  <a:schemeClr val="lt1"/>
+                </a:solidFill>
+                <a:latin typeface="Lato"/>
+                <a:ea typeface="Lato"/>
+                <a:cs typeface="Lato"/>
+                <a:sym typeface="Lato"/>
+              </a:rPr>
+              <a:t>Adapter Pattern</a:t>
+            </a:r>
+            <a:endParaRPr sz="1300">
+              <a:solidFill>
+                <a:schemeClr val="lt1"/>
+              </a:solidFill>
+              <a:latin typeface="Lato"/>
+              <a:ea typeface="Lato"/>
+              <a:cs typeface="Lato"/>
+              <a:sym typeface="Lato"/>
+            </a:endParaRPr>
+          </a:p>
+          <a:p>
+            <a:pPr indent="-311150" lvl="0" marL="457200" rtl="0" algn="l">
+              <a:lnSpc>
+                <a:spcPct val="115000"/>
+              </a:lnSpc>
+              <a:spcBef>
+                <a:spcPts val="0"/>
+              </a:spcBef>
+              <a:spcAft>
+                <a:spcPts val="0"/>
+              </a:spcAft>
+              <a:buClr>
+                <a:schemeClr val="lt1"/>
+              </a:buClr>
+              <a:buSzPts val="1300"/>
+              <a:buFont typeface="Lato"/>
+              <a:buChar char="●"/>
+            </a:pPr>
+            <a:r>
+              <a:rPr lang="en" sz="1300">
+                <a:solidFill>
+                  <a:schemeClr val="lt1"/>
+                </a:solidFill>
+                <a:latin typeface="Lato"/>
+                <a:ea typeface="Lato"/>
+                <a:cs typeface="Lato"/>
+                <a:sym typeface="Lato"/>
+              </a:rPr>
+              <a:t>Proxy Pattern</a:t>
+            </a:r>
+            <a:endParaRPr>
+              <a:latin typeface="Lato"/>
+              <a:ea typeface="Lato"/>
+              <a:cs typeface="Lato"/>
+              <a:sym typeface="Lato"/>
+            </a:endParaRPr>
+          </a:p>
+        </p:txBody>
+      </p:sp>
+    </p:spTree>
+  </p:cSld>
+  <p:clrMapOvr>
+    <a:masterClrMapping/>
+  </p:clrMapOvr>
+</p:sld>
+</file>
+
+<file path=ppt/slides/slide8.xml><?xml version="1.0" encoding="utf-8"?>
+<p:sld xmlns:a="http://schemas.openxmlformats.org/drawingml/2006/main" xmlns:r="http://schemas.openxmlformats.org/officeDocument/2006/relationships" xmlns:mc="http://schemas.openxmlformats.org/markup-compatibility/2006" xmlns:mv="urn:schemas-microsoft-com:mac:vml" xmlns:p="http://schemas.openxmlformats.org/presentationml/2006/main" xmlns:c="http://schemas.openxmlformats.org/drawingml/2006/chart" xmlns:dgm="http://schemas.openxmlformats.org/drawingml/2006/diagram" xmlns:o="urn:schemas-microsoft-com:office:office" xmlns:v="urn:schemas-microsoft-com:vml" xmlns:pvml="urn:schemas-microsoft-com:office:powerpoint" xmlns:com="http://schemas.openxmlformats.org/drawingml/2006/compatibility" xmlns:p14="http://schemas.microsoft.com/office/powerpoint/2010/main" xmlns:p15="http://schemas.microsoft.com/office/powerpoint/2012/main" xmlns:ahyp="http://schemas.microsoft.com/office/drawing/2018/hyperlinkcolor">
+  <p:cSld>
+    <p:spTree>
+      <p:nvGrpSpPr>
+        <p:cNvPr id="180" name="Shape 180"/>
+        <p:cNvGrpSpPr/>
+        <p:nvPr/>
+      </p:nvGrpSpPr>
+      <p:grpSpPr>
+        <a:xfrm>
+          <a:off x="0" y="0"/>
+          <a:ext cx="0" cy="0"/>
+          <a:chOff x="0" y="0"/>
+          <a:chExt cx="0" cy="0"/>
+        </a:xfrm>
+      </p:grpSpPr>
+      <p:sp>
+        <p:nvSpPr>
+          <p:cNvPr id="181" name="Google Shape;181;p20"/>
+          <p:cNvSpPr txBox="1"/>
+          <p:nvPr>
+            <p:ph type="title"/>
+          </p:nvPr>
+        </p:nvSpPr>
+        <p:spPr>
+          <a:xfrm>
+            <a:off x="1297500" y="393750"/>
+            <a:ext cx="7038900" cy="914100"/>
+          </a:xfrm>
+          <a:prstGeom prst="rect">
+            <a:avLst/>
+          </a:prstGeom>
+        </p:spPr>
+        <p:txBody>
+          <a:bodyPr anchorCtr="0" anchor="t" bIns="91425" lIns="91425" spcFirstLastPara="1" rIns="91425" wrap="square" tIns="91425">
+            <a:normAutofit/>
+          </a:bodyPr>
+          <a:lstStyle/>
+          <a:p>
+            <a:pPr indent="0" lvl="0" marL="0" rtl="0" algn="l">
+              <a:spcBef>
+                <a:spcPts val="0"/>
+              </a:spcBef>
+              <a:spcAft>
+                <a:spcPts val="0"/>
+              </a:spcAft>
+              <a:buNone/>
+            </a:pPr>
+            <a:r>
+              <a:rPr b="1" lang="en"/>
+              <a:t>Facade Pattern</a:t>
+            </a:r>
+            <a:endParaRPr b="1"/>
+          </a:p>
+        </p:txBody>
+      </p:sp>
+      <p:sp>
+        <p:nvSpPr>
+          <p:cNvPr id="182" name="Google Shape;182;p20"/>
           <p:cNvSpPr txBox="1"/>
           <p:nvPr>
             <p:ph idx="1" type="body"/>
@@ -13117,7 +13621,7 @@
             </a:pPr>
             <a:r>
               <a:rPr lang="en"/>
-              <a:t>Problem: Separate the construction of a complex object from its representation so that the same construction process can create different representations.</a:t>
+              <a:t>Provides a simplified interface to a larger body of code, such as a class library.</a:t>
             </a:r>
             <a:endParaRPr/>
           </a:p>
@@ -13133,7 +13637,15 @@
             </a:pPr>
             <a:r>
               <a:rPr lang="en"/>
-              <a:t>Resolves issues with large construction involving a lot of attributes.</a:t>
+              <a:t>Prevents client from accessing additional </a:t>
+            </a:r>
+            <a:r>
+              <a:rPr lang="en"/>
+              <a:t>methods</a:t>
+            </a:r>
+            <a:r>
+              <a:rPr lang="en"/>
+              <a:t> that may lead to unexpected user-error.</a:t>
             </a:r>
             <a:endParaRPr/>
           </a:p>
@@ -13149,7 +13661,7 @@
             </a:pPr>
             <a:r>
               <a:rPr lang="en"/>
-              <a:t>Example: Consider an application wherein a License can consist of many different fields, often having null values.</a:t>
+              <a:t>LIMITS rather than EXTENDS functionality of an encapsulated object.</a:t>
             </a:r>
             <a:endParaRPr/>
           </a:p>
@@ -13165,7 +13677,7 @@
             </a:pPr>
             <a:r>
               <a:rPr lang="en"/>
-              <a:t>Builder construction can be difficult to read and null values must be explicitly initialized.</a:t>
+              <a:t>Consider the case where a client needs to keep a collection of items, but only needs to publicly expose 6 methods: add, remove, get, size(), foreach …</a:t>
             </a:r>
             <a:endParaRPr/>
           </a:p>
@@ -13179,12 +13691,12 @@
 </p:sld>
 </file>
 
-<file path=ppt/slides/slide7.xml><?xml version="1.0" encoding="utf-8"?>
+<file path=ppt/slides/slide9.xml><?xml version="1.0" encoding="utf-8"?>
 <p:sld xmlns:a="http://schemas.openxmlformats.org/drawingml/2006/main" xmlns:r="http://schemas.openxmlformats.org/officeDocument/2006/relationships" xmlns:mc="http://schemas.openxmlformats.org/markup-compatibility/2006" xmlns:mv="urn:schemas-microsoft-com:mac:vml" xmlns:p="http://schemas.openxmlformats.org/presentationml/2006/main" xmlns:c="http://schemas.openxmlformats.org/drawingml/2006/chart" xmlns:dgm="http://schemas.openxmlformats.org/drawingml/2006/diagram" xmlns:o="urn:schemas-microsoft-com:office:office" xmlns:v="urn:schemas-microsoft-com:vml" xmlns:pvml="urn:schemas-microsoft-com:office:powerpoint" xmlns:com="http://schemas.openxmlformats.org/drawingml/2006/compatibility" xmlns:p14="http://schemas.microsoft.com/office/powerpoint/2010/main" xmlns:p15="http://schemas.microsoft.com/office/powerpoint/2012/main" xmlns:ahyp="http://schemas.microsoft.com/office/drawing/2018/hyperlinkcolor">
   <p:cSld>
     <p:spTree>
       <p:nvGrpSpPr>
-        <p:cNvPr id="169" name="Shape 169"/>
+        <p:cNvPr id="186" name="Shape 186"/>
         <p:cNvGrpSpPr/>
         <p:nvPr/>
       </p:nvGrpSpPr>
@@ -13198,88 +13710,7 @@
       </p:grpSpPr>
       <p:sp>
         <p:nvSpPr>
-          <p:cNvPr id="170" name="Google Shape;170;p19"/>
-          <p:cNvSpPr txBox="1"/>
-          <p:nvPr>
-            <p:ph type="ctrTitle"/>
-          </p:nvPr>
-        </p:nvSpPr>
-        <p:spPr>
-          <a:xfrm>
-            <a:off x="2811525" y="1249950"/>
-            <a:ext cx="6279000" cy="2643600"/>
-          </a:xfrm>
-          <a:prstGeom prst="rect">
-            <a:avLst/>
-          </a:prstGeom>
-        </p:spPr>
-        <p:txBody>
-          <a:bodyPr anchorCtr="0" anchor="t" bIns="91425" lIns="91425" spcFirstLastPara="1" rIns="91425" wrap="square" tIns="91425">
-            <a:normAutofit/>
-          </a:bodyPr>
-          <a:lstStyle/>
-          <a:p>
-            <a:pPr indent="0" lvl="0" marL="0" rtl="0" algn="ctr">
-              <a:spcBef>
-                <a:spcPts val="0"/>
-              </a:spcBef>
-              <a:spcAft>
-                <a:spcPts val="0"/>
-              </a:spcAft>
-              <a:buNone/>
-            </a:pPr>
-            <a:r>
-              <a:rPr b="1" lang="en" sz="6000"/>
-              <a:t>STRUCTURAL</a:t>
-            </a:r>
-            <a:endParaRPr b="1" sz="6000"/>
-          </a:p>
-          <a:p>
-            <a:pPr indent="0" lvl="0" marL="0" rtl="0" algn="ctr">
-              <a:spcBef>
-                <a:spcPts val="0"/>
-              </a:spcBef>
-              <a:spcAft>
-                <a:spcPts val="0"/>
-              </a:spcAft>
-              <a:buNone/>
-            </a:pPr>
-            <a:r>
-              <a:rPr b="1" lang="en" sz="6000"/>
-              <a:t>PATTERNS</a:t>
-            </a:r>
-            <a:endParaRPr b="1" sz="6000"/>
-          </a:p>
-        </p:txBody>
-      </p:sp>
-    </p:spTree>
-  </p:cSld>
-  <p:clrMapOvr>
-    <a:masterClrMapping/>
-  </p:clrMapOvr>
-</p:sld>
-</file>
-
-<file path=ppt/slides/slide8.xml><?xml version="1.0" encoding="utf-8"?>
-<p:sld xmlns:a="http://schemas.openxmlformats.org/drawingml/2006/main" xmlns:r="http://schemas.openxmlformats.org/officeDocument/2006/relationships" xmlns:mc="http://schemas.openxmlformats.org/markup-compatibility/2006" xmlns:mv="urn:schemas-microsoft-com:mac:vml" xmlns:p="http://schemas.openxmlformats.org/presentationml/2006/main" xmlns:c="http://schemas.openxmlformats.org/drawingml/2006/chart" xmlns:dgm="http://schemas.openxmlformats.org/drawingml/2006/diagram" xmlns:o="urn:schemas-microsoft-com:office:office" xmlns:v="urn:schemas-microsoft-com:vml" xmlns:pvml="urn:schemas-microsoft-com:office:powerpoint" xmlns:com="http://schemas.openxmlformats.org/drawingml/2006/compatibility" xmlns:p14="http://schemas.microsoft.com/office/powerpoint/2010/main" xmlns:p15="http://schemas.microsoft.com/office/powerpoint/2012/main" xmlns:ahyp="http://schemas.microsoft.com/office/drawing/2018/hyperlinkcolor">
-  <p:cSld>
-    <p:spTree>
-      <p:nvGrpSpPr>
-        <p:cNvPr id="174" name="Shape 174"/>
-        <p:cNvGrpSpPr/>
-        <p:nvPr/>
-      </p:nvGrpSpPr>
-      <p:grpSpPr>
-        <a:xfrm>
-          <a:off x="0" y="0"/>
-          <a:ext cx="0" cy="0"/>
-          <a:chOff x="0" y="0"/>
-          <a:chExt cx="0" cy="0"/>
-        </a:xfrm>
-      </p:grpSpPr>
-      <p:sp>
-        <p:nvSpPr>
-          <p:cNvPr id="175" name="Google Shape;175;p20"/>
+          <p:cNvPr id="187" name="Google Shape;187;p21"/>
           <p:cNvSpPr txBox="1"/>
           <p:nvPr>
             <p:ph type="title"/>
@@ -13310,16 +13741,24 @@
               <a:buNone/>
             </a:pPr>
             <a:r>
+              <a:rPr b="1" lang="en"/>
+              <a:t>Decorator</a:t>
+            </a:r>
+            <a:r>
               <a:rPr lang="en"/>
-              <a:t>Structural Patterns cont…</a:t>
+              <a:t> </a:t>
             </a:r>
-            <a:endParaRPr/>
+            <a:r>
+              <a:rPr b="1" lang="en"/>
+              <a:t>Pattern</a:t>
+            </a:r>
+            <a:endParaRPr b="1"/>
           </a:p>
         </p:txBody>
       </p:sp>
       <p:sp>
         <p:nvSpPr>
-          <p:cNvPr id="176" name="Google Shape;176;p20"/>
+          <p:cNvPr id="188" name="Google Shape;188;p21"/>
           <p:cNvSpPr txBox="1"/>
           <p:nvPr>
             <p:ph idx="1" type="body"/>
@@ -13351,180 +13790,7 @@
             </a:pPr>
             <a:r>
               <a:rPr lang="en"/>
-              <a:t>Eases design by identifying ways to realize relationships between entities while reducing code-redundancies.</a:t>
-            </a:r>
-            <a:endParaRPr/>
-          </a:p>
-          <a:p>
-            <a:pPr indent="-311150" lvl="0" marL="457200" rtl="0" algn="l">
-              <a:spcBef>
-                <a:spcPts val="1200"/>
-              </a:spcBef>
-              <a:spcAft>
-                <a:spcPts val="0"/>
-              </a:spcAft>
-              <a:buSzPts val="1300"/>
-              <a:buChar char="●"/>
-            </a:pPr>
-            <a:r>
-              <a:rPr lang="en"/>
-              <a:t>Facade Pattern</a:t>
-            </a:r>
-            <a:endParaRPr/>
-          </a:p>
-          <a:p>
-            <a:pPr indent="-311150" lvl="0" marL="457200" rtl="0" algn="l">
-              <a:spcBef>
-                <a:spcPts val="0"/>
-              </a:spcBef>
-              <a:spcAft>
-                <a:spcPts val="0"/>
-              </a:spcAft>
-              <a:buSzPts val="1300"/>
-              <a:buChar char="●"/>
-            </a:pPr>
-            <a:r>
-              <a:rPr lang="en"/>
-              <a:t>Decorator Pattern</a:t>
-            </a:r>
-            <a:endParaRPr/>
-          </a:p>
-          <a:p>
-            <a:pPr indent="-311150" lvl="0" marL="457200" rtl="0" algn="l">
-              <a:spcBef>
-                <a:spcPts val="0"/>
-              </a:spcBef>
-              <a:spcAft>
-                <a:spcPts val="0"/>
-              </a:spcAft>
-              <a:buSzPts val="1300"/>
-              <a:buChar char="●"/>
-            </a:pPr>
-            <a:r>
-              <a:rPr lang="en"/>
-              <a:t>Adapter Pattern</a:t>
-            </a:r>
-            <a:endParaRPr/>
-          </a:p>
-          <a:p>
-            <a:pPr indent="-311150" lvl="0" marL="457200" rtl="0" algn="l">
-              <a:spcBef>
-                <a:spcPts val="0"/>
-              </a:spcBef>
-              <a:spcAft>
-                <a:spcPts val="0"/>
-              </a:spcAft>
-              <a:buSzPts val="1300"/>
-              <a:buChar char="●"/>
-            </a:pPr>
-            <a:r>
-              <a:rPr lang="en"/>
-              <a:t>Proxy Pattern</a:t>
-            </a:r>
-            <a:endParaRPr/>
-          </a:p>
-        </p:txBody>
-      </p:sp>
-    </p:spTree>
-  </p:cSld>
-  <p:clrMapOvr>
-    <a:masterClrMapping/>
-  </p:clrMapOvr>
-</p:sld>
-</file>
-
-<file path=ppt/slides/slide9.xml><?xml version="1.0" encoding="utf-8"?>
-<p:sld xmlns:a="http://schemas.openxmlformats.org/drawingml/2006/main" xmlns:r="http://schemas.openxmlformats.org/officeDocument/2006/relationships" xmlns:mc="http://schemas.openxmlformats.org/markup-compatibility/2006" xmlns:mv="urn:schemas-microsoft-com:mac:vml" xmlns:p="http://schemas.openxmlformats.org/presentationml/2006/main" xmlns:c="http://schemas.openxmlformats.org/drawingml/2006/chart" xmlns:dgm="http://schemas.openxmlformats.org/drawingml/2006/diagram" xmlns:o="urn:schemas-microsoft-com:office:office" xmlns:v="urn:schemas-microsoft-com:vml" xmlns:pvml="urn:schemas-microsoft-com:office:powerpoint" xmlns:com="http://schemas.openxmlformats.org/drawingml/2006/compatibility" xmlns:p14="http://schemas.microsoft.com/office/powerpoint/2010/main" xmlns:p15="http://schemas.microsoft.com/office/powerpoint/2012/main" xmlns:ahyp="http://schemas.microsoft.com/office/drawing/2018/hyperlinkcolor">
-  <p:cSld>
-    <p:spTree>
-      <p:nvGrpSpPr>
-        <p:cNvPr id="180" name="Shape 180"/>
-        <p:cNvGrpSpPr/>
-        <p:nvPr/>
-      </p:nvGrpSpPr>
-      <p:grpSpPr>
-        <a:xfrm>
-          <a:off x="0" y="0"/>
-          <a:ext cx="0" cy="0"/>
-          <a:chOff x="0" y="0"/>
-          <a:chExt cx="0" cy="0"/>
-        </a:xfrm>
-      </p:grpSpPr>
-      <p:sp>
-        <p:nvSpPr>
-          <p:cNvPr id="181" name="Google Shape;181;p21"/>
-          <p:cNvSpPr txBox="1"/>
-          <p:nvPr>
-            <p:ph type="title"/>
-          </p:nvPr>
-        </p:nvSpPr>
-        <p:spPr>
-          <a:xfrm>
-            <a:off x="1297500" y="393750"/>
-            <a:ext cx="7038900" cy="914100"/>
-          </a:xfrm>
-          <a:prstGeom prst="rect">
-            <a:avLst/>
-          </a:prstGeom>
-        </p:spPr>
-        <p:txBody>
-          <a:bodyPr anchorCtr="0" anchor="t" bIns="91425" lIns="91425" spcFirstLastPara="1" rIns="91425" wrap="square" tIns="91425">
-            <a:normAutofit/>
-          </a:bodyPr>
-          <a:lstStyle/>
-          <a:p>
-            <a:pPr indent="0" lvl="0" marL="0" rtl="0" algn="l">
-              <a:spcBef>
-                <a:spcPts val="0"/>
-              </a:spcBef>
-              <a:spcAft>
-                <a:spcPts val="0"/>
-              </a:spcAft>
-              <a:buNone/>
-            </a:pPr>
-            <a:r>
-              <a:rPr lang="en"/>
-              <a:t>Facade Pattern</a:t>
-            </a:r>
-            <a:endParaRPr/>
-          </a:p>
-        </p:txBody>
-      </p:sp>
-      <p:sp>
-        <p:nvSpPr>
-          <p:cNvPr id="182" name="Google Shape;182;p21"/>
-          <p:cNvSpPr txBox="1"/>
-          <p:nvPr>
-            <p:ph idx="1" type="body"/>
-          </p:nvPr>
-        </p:nvSpPr>
-        <p:spPr>
-          <a:xfrm>
-            <a:off x="1297500" y="1567550"/>
-            <a:ext cx="7038900" cy="2911200"/>
-          </a:xfrm>
-          <a:prstGeom prst="rect">
-            <a:avLst/>
-          </a:prstGeom>
-        </p:spPr>
-        <p:txBody>
-          <a:bodyPr anchorCtr="0" anchor="t" bIns="91425" lIns="91425" spcFirstLastPara="1" rIns="91425" wrap="square" tIns="91425">
-            <a:normAutofit/>
-          </a:bodyPr>
-          <a:lstStyle/>
-          <a:p>
-            <a:pPr indent="0" lvl="0" marL="0" rtl="0" algn="l">
-              <a:spcBef>
-                <a:spcPts val="0"/>
-              </a:spcBef>
-              <a:spcAft>
-                <a:spcPts val="0"/>
-              </a:spcAft>
-              <a:buNone/>
-            </a:pPr>
-            <a:r>
-              <a:rPr lang="en"/>
-              <a:t>Provides a simplified interface to a larger body of code, such as a class library.</a:t>
+              <a:t>Attach additional responsibilities to an object dynamically.</a:t>
             </a:r>
             <a:endParaRPr/>
           </a:p>
@@ -13540,15 +13806,7 @@
             </a:pPr>
             <a:r>
               <a:rPr lang="en"/>
-              <a:t>Prevents client from accessing additional </a:t>
-            </a:r>
-            <a:r>
-              <a:rPr lang="en"/>
-              <a:t>methods</a:t>
-            </a:r>
-            <a:r>
-              <a:rPr lang="en"/>
-              <a:t> that may lead to unexpected user-error.</a:t>
+              <a:t>Provides a flexible alternative to subclassing for extending functionality.</a:t>
             </a:r>
             <a:endParaRPr/>
           </a:p>
@@ -13558,29 +13816,41 @@
                 <a:spcPts val="1200"/>
               </a:spcBef>
               <a:spcAft>
-                <a:spcPts val="0"/>
+                <a:spcPts val="1200"/>
               </a:spcAft>
               <a:buNone/>
             </a:pPr>
             <a:r>
               <a:rPr lang="en"/>
-              <a:t>LIMITS rather than EXTENDS functionality of an encapsulated object.</a:t>
+              <a:t>Redundancies</a:t>
             </a:r>
-            <a:endParaRPr/>
-          </a:p>
-          <a:p>
-            <a:pPr indent="0" lvl="0" marL="0" rtl="0" algn="l">
-              <a:spcBef>
-                <a:spcPts val="1200"/>
-              </a:spcBef>
-              <a:spcAft>
-                <a:spcPts val="1200"/>
-              </a:spcAft>
-              <a:buNone/>
-            </a:pPr>
             <a:r>
               <a:rPr lang="en"/>
-              <a:t>Consider the case where a client needs to keep a collection of items, but only needs to publicly expose 6 methods: add, remove, get, size(), foreach …</a:t>
+              <a:t> from this design are preventable by decorating Profile with a Player. Example being: </a:t>
+            </a:r>
+            <a:r>
+              <a:rPr lang="en">
+                <a:solidFill>
+                  <a:srgbClr val="93C47D"/>
+                </a:solidFill>
+              </a:rPr>
+              <a:t>public class</a:t>
+            </a:r>
+            <a:r>
+              <a:rPr lang="en"/>
+              <a:t> Player </a:t>
+            </a:r>
+            <a:r>
+              <a:rPr lang="en">
+                <a:solidFill>
+                  <a:schemeClr val="lt2"/>
+                </a:solidFill>
+              </a:rPr>
+              <a:t>extends</a:t>
+            </a:r>
+            <a:r>
+              <a:rPr lang="en"/>
+              <a:t> Profile {</a:t>
             </a:r>
             <a:endParaRPr/>
           </a:p>
